--- a/img/ec-op.pptx
+++ b/img/ec-op.pptx
@@ -151,7 +151,7 @@
       </p14:sectionLst>
     </p:ext>
     <p:ext uri="{EFAFB233-063F-42B5-8137-9DF3F51BA10A}">
-      <p15:sldGuideLst xmlns="" xmlns:p15="http://schemas.microsoft.com/office/powerpoint/2012/main">
+      <p15:sldGuideLst xmlns:p15="http://schemas.microsoft.com/office/powerpoint/2012/main" xmlns="">
         <p15:guide id="1" orient="horz" pos="2160">
           <p15:clr>
             <a:srgbClr val="A4A3A4"/>
@@ -165,7 +165,7 @@
       </p15:sldGuideLst>
     </p:ext>
     <p:ext uri="{2D200454-40CA-4A62-9FC3-DE9A4176ACB9}">
-      <p15:notesGuideLst xmlns="" xmlns:p15="http://schemas.microsoft.com/office/powerpoint/2012/main">
+      <p15:notesGuideLst xmlns:p15="http://schemas.microsoft.com/office/powerpoint/2012/main" xmlns="">
         <p15:guide id="1" orient="horz" pos="3223">
           <p15:clr>
             <a:srgbClr val="A4A3A4"/>
@@ -2018,7 +2018,7 @@
           </a:prstGeom>
           <a:ln w="3175">
             <a:solidFill>
-              <a:schemeClr val="accent1"/>
+              <a:schemeClr val="tx1"/>
             </a:solidFill>
             <a:prstDash val="solid"/>
             <a:tailEnd type="none"/>
@@ -2055,7 +2055,7 @@
           </a:prstGeom>
           <a:ln w="3175">
             <a:solidFill>
-              <a:schemeClr val="accent1"/>
+              <a:schemeClr val="tx1"/>
             </a:solidFill>
             <a:prstDash val="solid"/>
             <a:tailEnd type="none"/>
@@ -2076,8 +2076,8 @@
           </a:fontRef>
         </p:style>
       </p:cxnSp>
-      <mc:AlternateContent xmlns:mc="http://schemas.openxmlformats.org/markup-compatibility/2006" xmlns:a14="http://schemas.microsoft.com/office/drawing/2010/main">
-        <mc:Choice Requires="a14">
+      <mc:AlternateContent xmlns:mc="http://schemas.openxmlformats.org/markup-compatibility/2006">
+        <mc:Choice xmlns:a14="http://schemas.microsoft.com/office/drawing/2010/main" Requires="a14">
           <p:sp>
             <p:nvSpPr>
               <p:cNvPr id="42" name="テキスト ボックス 41"/>
@@ -2087,7 +2087,7 @@
             <p:spPr>
               <a:xfrm>
                 <a:off x="1201278" y="1139229"/>
-                <a:ext cx="285613" cy="276999"/>
+                <a:ext cx="285613" cy="253916"/>
               </a:xfrm>
               <a:prstGeom prst="rect">
                 <a:avLst/>
@@ -2112,7 +2112,10 @@
                     </m:oMathParaPr>
                     <m:oMath xmlns:m="http://schemas.openxmlformats.org/officeDocument/2006/math">
                       <m:r>
-                        <a:rPr lang="en-US" altLang="ja-JP" sz="1200" b="0" i="1" smtClean="0">
+                        <a:rPr lang="en-US" altLang="ja-JP" sz="1050" b="0" i="1" smtClean="0">
+                          <a:solidFill>
+                            <a:schemeClr val="tx1"/>
+                          </a:solidFill>
                           <a:latin typeface="Cambria Math"/>
                           <a:ea typeface="HG丸ｺﾞｼｯｸM-PRO" panose="020F0600000000000000" pitchFamily="50" charset="-128"/>
                           <a:cs typeface="Courier New" pitchFamily="49" charset="0"/>
@@ -2122,7 +2125,10 @@
                     </m:oMath>
                   </m:oMathPara>
                 </a14:m>
-                <a:endParaRPr lang="en-US" altLang="ja-JP" sz="1200">
+                <a:endParaRPr lang="en-US" altLang="ja-JP" sz="1050">
+                  <a:solidFill>
+                    <a:schemeClr val="tx1"/>
+                  </a:solidFill>
                   <a:latin typeface="HG丸ｺﾞｼｯｸM-PRO" panose="020F0600000000000000" pitchFamily="50" charset="-128"/>
                   <a:ea typeface="HG丸ｺﾞｼｯｸM-PRO" panose="020F0600000000000000" pitchFamily="50" charset="-128"/>
                   <a:cs typeface="Courier New" pitchFamily="49" charset="0"/>
@@ -2131,7 +2137,7 @@
             </p:txBody>
           </p:sp>
         </mc:Choice>
-        <mc:Fallback xmlns="">
+        <mc:Fallback>
           <p:sp>
             <p:nvSpPr>
               <p:cNvPr id="42" name="テキスト ボックス 41"/>
@@ -2143,7 +2149,7 @@
             <p:spPr>
               <a:xfrm>
                 <a:off x="1201278" y="1139229"/>
-                <a:ext cx="285613" cy="276999"/>
+                <a:ext cx="285613" cy="253916"/>
               </a:xfrm>
               <a:prstGeom prst="rect">
                 <a:avLst/>
@@ -2174,8 +2180,8 @@
           </p:sp>
         </mc:Fallback>
       </mc:AlternateContent>
-      <mc:AlternateContent xmlns:mc="http://schemas.openxmlformats.org/markup-compatibility/2006" xmlns:a14="http://schemas.microsoft.com/office/drawing/2010/main">
-        <mc:Choice Requires="a14">
+      <mc:AlternateContent xmlns:mc="http://schemas.openxmlformats.org/markup-compatibility/2006">
+        <mc:Choice xmlns:a14="http://schemas.microsoft.com/office/drawing/2010/main" Requires="a14">
           <p:sp>
             <p:nvSpPr>
               <p:cNvPr id="43" name="テキスト ボックス 42"/>
@@ -2185,7 +2191,7 @@
             <p:spPr>
               <a:xfrm>
                 <a:off x="1486891" y="1016121"/>
-                <a:ext cx="285613" cy="276999"/>
+                <a:ext cx="285613" cy="253916"/>
               </a:xfrm>
               <a:prstGeom prst="rect">
                 <a:avLst/>
@@ -2210,7 +2216,10 @@
                     </m:oMathParaPr>
                     <m:oMath xmlns:m="http://schemas.openxmlformats.org/officeDocument/2006/math">
                       <m:r>
-                        <a:rPr lang="en-US" altLang="ja-JP" sz="1200" b="0" i="1" smtClean="0">
+                        <a:rPr lang="en-US" altLang="ja-JP" sz="1050" b="0" i="1" smtClean="0">
+                          <a:solidFill>
+                            <a:schemeClr val="tx1"/>
+                          </a:solidFill>
                           <a:latin typeface="Cambria Math"/>
                           <a:ea typeface="HG丸ｺﾞｼｯｸM-PRO" panose="020F0600000000000000" pitchFamily="50" charset="-128"/>
                           <a:cs typeface="Courier New" pitchFamily="49" charset="0"/>
@@ -2220,7 +2229,10 @@
                     </m:oMath>
                   </m:oMathPara>
                 </a14:m>
-                <a:endParaRPr lang="en-US" altLang="ja-JP" sz="1200">
+                <a:endParaRPr lang="en-US" altLang="ja-JP" sz="1050">
+                  <a:solidFill>
+                    <a:schemeClr val="tx1"/>
+                  </a:solidFill>
                   <a:latin typeface="HG丸ｺﾞｼｯｸM-PRO" panose="020F0600000000000000" pitchFamily="50" charset="-128"/>
                   <a:ea typeface="HG丸ｺﾞｼｯｸM-PRO" panose="020F0600000000000000" pitchFamily="50" charset="-128"/>
                   <a:cs typeface="Courier New" pitchFamily="49" charset="0"/>
@@ -2229,7 +2241,7 @@
             </p:txBody>
           </p:sp>
         </mc:Choice>
-        <mc:Fallback xmlns="">
+        <mc:Fallback>
           <p:sp>
             <p:nvSpPr>
               <p:cNvPr id="43" name="テキスト ボックス 42"/>
@@ -2241,7 +2253,7 @@
             <p:spPr>
               <a:xfrm>
                 <a:off x="1486891" y="1016121"/>
-                <a:ext cx="285613" cy="276999"/>
+                <a:ext cx="285613" cy="253916"/>
               </a:xfrm>
               <a:prstGeom prst="rect">
                 <a:avLst/>
@@ -2249,7 +2261,7 @@
               <a:blipFill rotWithShape="1">
                 <a:blip r:embed="rId4"/>
                 <a:stretch>
-                  <a:fillRect b="-4444"/>
+                  <a:fillRect b="-4878"/>
                 </a:stretch>
               </a:blipFill>
               <a:ln w="19050" cap="rnd">
@@ -2272,8 +2284,8 @@
           </p:sp>
         </mc:Fallback>
       </mc:AlternateContent>
-      <mc:AlternateContent xmlns:mc="http://schemas.openxmlformats.org/markup-compatibility/2006" xmlns:a14="http://schemas.microsoft.com/office/drawing/2010/main">
-        <mc:Choice Requires="a14">
+      <mc:AlternateContent xmlns:mc="http://schemas.openxmlformats.org/markup-compatibility/2006">
+        <mc:Choice xmlns:a14="http://schemas.microsoft.com/office/drawing/2010/main" Requires="a14">
           <p:sp>
             <p:nvSpPr>
               <p:cNvPr id="44" name="テキスト ボックス 43"/>
@@ -2283,7 +2295,7 @@
             <p:spPr>
               <a:xfrm>
                 <a:off x="3006080" y="739122"/>
-                <a:ext cx="1379138" cy="276999"/>
+                <a:ext cx="1379138" cy="253916"/>
               </a:xfrm>
               <a:prstGeom prst="rect">
                 <a:avLst/>
@@ -2310,7 +2322,10 @@
                       <m:sSub>
                         <m:sSubPr>
                           <m:ctrlPr>
-                            <a:rPr lang="en-US" altLang="ja-JP" sz="1200" b="0" i="1" smtClean="0">
+                            <a:rPr lang="en-US" altLang="ja-JP" sz="1050" b="0" i="1" smtClean="0">
+                              <a:solidFill>
+                                <a:schemeClr val="tx1"/>
+                              </a:solidFill>
                               <a:latin typeface="Cambria Math"/>
                               <a:ea typeface="HG丸ｺﾞｼｯｸM-PRO" panose="020F0600000000000000" pitchFamily="50" charset="-128"/>
                               <a:cs typeface="Courier New" pitchFamily="49" charset="0"/>
@@ -2319,7 +2334,10 @@
                         </m:sSubPr>
                         <m:e>
                           <m:r>
-                            <a:rPr lang="en-US" altLang="ja-JP" sz="1200" b="0" i="1" smtClean="0">
+                            <a:rPr lang="en-US" altLang="ja-JP" sz="1050" b="0" i="1" smtClean="0">
+                              <a:solidFill>
+                                <a:schemeClr val="tx1"/>
+                              </a:solidFill>
                               <a:latin typeface="Cambria Math"/>
                               <a:ea typeface="HG丸ｺﾞｼｯｸM-PRO" panose="020F0600000000000000" pitchFamily="50" charset="-128"/>
                               <a:cs typeface="Courier New" pitchFamily="49" charset="0"/>
@@ -2329,7 +2347,10 @@
                         </m:e>
                         <m:sub>
                           <m:r>
-                            <a:rPr lang="en-US" altLang="ja-JP" sz="1200" b="0" i="1" smtClean="0">
+                            <a:rPr lang="en-US" altLang="ja-JP" sz="1050" b="0" i="1" smtClean="0">
+                              <a:solidFill>
+                                <a:schemeClr val="tx1"/>
+                              </a:solidFill>
                               <a:latin typeface="Cambria Math"/>
                               <a:ea typeface="HG丸ｺﾞｼｯｸM-PRO" panose="020F0600000000000000" pitchFamily="50" charset="-128"/>
                               <a:cs typeface="Courier New" pitchFamily="49" charset="0"/>
@@ -2339,7 +2360,10 @@
                         </m:sub>
                       </m:sSub>
                       <m:r>
-                        <a:rPr lang="en-US" altLang="ja-JP" sz="1200" b="0" i="1" smtClean="0">
+                        <a:rPr lang="en-US" altLang="ja-JP" sz="1050" b="0" i="1" smtClean="0">
+                          <a:solidFill>
+                            <a:schemeClr val="tx1"/>
+                          </a:solidFill>
                           <a:latin typeface="Cambria Math"/>
                           <a:ea typeface="HG丸ｺﾞｼｯｸM-PRO" panose="020F0600000000000000" pitchFamily="50" charset="-128"/>
                           <a:cs typeface="Courier New" pitchFamily="49" charset="0"/>
@@ -2347,7 +2371,10 @@
                         <m:t>=−(</m:t>
                       </m:r>
                       <m:r>
-                        <a:rPr lang="en-US" altLang="ja-JP" sz="1200" b="0" i="1" smtClean="0">
+                        <a:rPr lang="en-US" altLang="ja-JP" sz="1050" b="0" i="1" smtClean="0">
+                          <a:solidFill>
+                            <a:schemeClr val="tx1"/>
+                          </a:solidFill>
                           <a:latin typeface="Cambria Math"/>
                           <a:ea typeface="HG丸ｺﾞｼｯｸM-PRO" panose="020F0600000000000000" pitchFamily="50" charset="-128"/>
                           <a:cs typeface="Courier New" pitchFamily="49" charset="0"/>
@@ -2355,7 +2382,10 @@
                         <m:t>𝑃</m:t>
                       </m:r>
                       <m:r>
-                        <a:rPr lang="en-US" altLang="ja-JP" sz="1200" b="0" i="1" smtClean="0">
+                        <a:rPr lang="en-US" altLang="ja-JP" sz="1050" b="0" i="1" smtClean="0">
+                          <a:solidFill>
+                            <a:schemeClr val="tx1"/>
+                          </a:solidFill>
                           <a:latin typeface="Cambria Math"/>
                           <a:ea typeface="HG丸ｺﾞｼｯｸM-PRO" panose="020F0600000000000000" pitchFamily="50" charset="-128"/>
                           <a:cs typeface="Courier New" pitchFamily="49" charset="0"/>
@@ -2363,7 +2393,10 @@
                         <m:t>+</m:t>
                       </m:r>
                       <m:r>
-                        <a:rPr lang="en-US" altLang="ja-JP" sz="1200" b="0" i="1" smtClean="0">
+                        <a:rPr lang="en-US" altLang="ja-JP" sz="1050" b="0" i="1" smtClean="0">
+                          <a:solidFill>
+                            <a:schemeClr val="tx1"/>
+                          </a:solidFill>
                           <a:latin typeface="Cambria Math"/>
                           <a:ea typeface="HG丸ｺﾞｼｯｸM-PRO" panose="020F0600000000000000" pitchFamily="50" charset="-128"/>
                           <a:cs typeface="Courier New" pitchFamily="49" charset="0"/>
@@ -2371,7 +2404,10 @@
                         <m:t>𝑄</m:t>
                       </m:r>
                       <m:r>
-                        <a:rPr lang="en-US" altLang="ja-JP" sz="1200" b="0" i="1" smtClean="0">
+                        <a:rPr lang="en-US" altLang="ja-JP" sz="1050" b="0" i="1" smtClean="0">
+                          <a:solidFill>
+                            <a:schemeClr val="tx1"/>
+                          </a:solidFill>
                           <a:latin typeface="Cambria Math"/>
                           <a:ea typeface="HG丸ｺﾞｼｯｸM-PRO" panose="020F0600000000000000" pitchFamily="50" charset="-128"/>
                           <a:cs typeface="Courier New" pitchFamily="49" charset="0"/>
@@ -2381,7 +2417,10 @@
                     </m:oMath>
                   </m:oMathPara>
                 </a14:m>
-                <a:endParaRPr lang="en-US" altLang="ja-JP" sz="1200">
+                <a:endParaRPr lang="en-US" altLang="ja-JP" sz="1050">
+                  <a:solidFill>
+                    <a:schemeClr val="tx1"/>
+                  </a:solidFill>
                   <a:latin typeface="HG丸ｺﾞｼｯｸM-PRO" panose="020F0600000000000000" pitchFamily="50" charset="-128"/>
                   <a:ea typeface="HG丸ｺﾞｼｯｸM-PRO" panose="020F0600000000000000" pitchFamily="50" charset="-128"/>
                   <a:cs typeface="Courier New" pitchFamily="49" charset="0"/>
@@ -2390,7 +2429,7 @@
             </p:txBody>
           </p:sp>
         </mc:Choice>
-        <mc:Fallback xmlns="">
+        <mc:Fallback>
           <p:sp>
             <p:nvSpPr>
               <p:cNvPr id="44" name="テキスト ボックス 43"/>
@@ -2402,7 +2441,7 @@
             <p:spPr>
               <a:xfrm>
                 <a:off x="3006080" y="739122"/>
-                <a:ext cx="1379138" cy="276999"/>
+                <a:ext cx="1379138" cy="253916"/>
               </a:xfrm>
               <a:prstGeom prst="rect">
                 <a:avLst/>
@@ -2410,7 +2449,7 @@
               <a:blipFill rotWithShape="1">
                 <a:blip r:embed="rId5"/>
                 <a:stretch>
-                  <a:fillRect b="-10870"/>
+                  <a:fillRect b="-7143"/>
                 </a:stretch>
               </a:blipFill>
               <a:ln w="19050" cap="rnd">
@@ -2433,8 +2472,8 @@
           </p:sp>
         </mc:Fallback>
       </mc:AlternateContent>
-      <mc:AlternateContent xmlns:mc="http://schemas.openxmlformats.org/markup-compatibility/2006" xmlns:a14="http://schemas.microsoft.com/office/drawing/2010/main">
-        <mc:Choice Requires="a14">
+      <mc:AlternateContent xmlns:mc="http://schemas.openxmlformats.org/markup-compatibility/2006">
+        <mc:Choice xmlns:a14="http://schemas.microsoft.com/office/drawing/2010/main" Requires="a14">
           <p:sp>
             <p:nvSpPr>
               <p:cNvPr id="35" name="テキスト ボックス 34"/>
@@ -2444,7 +2483,7 @@
             <p:spPr>
               <a:xfrm>
                 <a:off x="2042649" y="1154620"/>
-                <a:ext cx="285613" cy="276999"/>
+                <a:ext cx="285613" cy="253916"/>
               </a:xfrm>
               <a:prstGeom prst="rect">
                 <a:avLst/>
@@ -2469,7 +2508,10 @@
                     </m:oMathParaPr>
                     <m:oMath xmlns:m="http://schemas.openxmlformats.org/officeDocument/2006/math">
                       <m:r>
-                        <a:rPr lang="en-US" altLang="ja-JP" sz="1200" b="0" i="1" smtClean="0">
+                        <a:rPr lang="en-US" altLang="ja-JP" sz="1050" b="0" i="1" smtClean="0">
+                          <a:solidFill>
+                            <a:schemeClr val="tx1"/>
+                          </a:solidFill>
                           <a:latin typeface="Cambria Math"/>
                           <a:ea typeface="HG丸ｺﾞｼｯｸM-PRO" panose="020F0600000000000000" pitchFamily="50" charset="-128"/>
                           <a:cs typeface="Courier New" pitchFamily="49" charset="0"/>
@@ -2479,7 +2521,10 @@
                     </m:oMath>
                   </m:oMathPara>
                 </a14:m>
-                <a:endParaRPr lang="en-US" altLang="ja-JP" sz="1200">
+                <a:endParaRPr lang="en-US" altLang="ja-JP" sz="1050">
+                  <a:solidFill>
+                    <a:schemeClr val="tx1"/>
+                  </a:solidFill>
                   <a:latin typeface="HG丸ｺﾞｼｯｸM-PRO" panose="020F0600000000000000" pitchFamily="50" charset="-128"/>
                   <a:ea typeface="HG丸ｺﾞｼｯｸM-PRO" panose="020F0600000000000000" pitchFamily="50" charset="-128"/>
                   <a:cs typeface="Courier New" pitchFamily="49" charset="0"/>
@@ -2488,7 +2533,7 @@
             </p:txBody>
           </p:sp>
         </mc:Choice>
-        <mc:Fallback xmlns="">
+        <mc:Fallback>
           <p:sp>
             <p:nvSpPr>
               <p:cNvPr id="35" name="テキスト ボックス 34"/>
@@ -2500,7 +2545,7 @@
             <p:spPr>
               <a:xfrm>
                 <a:off x="2042649" y="1154620"/>
-                <a:ext cx="285613" cy="276999"/>
+                <a:ext cx="285613" cy="253916"/>
               </a:xfrm>
               <a:prstGeom prst="rect">
                 <a:avLst/>
@@ -2531,8 +2576,8 @@
           </p:sp>
         </mc:Fallback>
       </mc:AlternateContent>
-      <mc:AlternateContent xmlns:mc="http://schemas.openxmlformats.org/markup-compatibility/2006" xmlns:a14="http://schemas.microsoft.com/office/drawing/2010/main">
-        <mc:Choice Requires="a14">
+      <mc:AlternateContent xmlns:mc="http://schemas.openxmlformats.org/markup-compatibility/2006">
+        <mc:Choice xmlns:a14="http://schemas.microsoft.com/office/drawing/2010/main" Requires="a14">
           <p:sp>
             <p:nvSpPr>
               <p:cNvPr id="36" name="テキスト ボックス 35"/>
@@ -2542,7 +2587,7 @@
             <p:spPr>
               <a:xfrm>
                 <a:off x="413792" y="2004032"/>
-                <a:ext cx="1005159" cy="276999"/>
+                <a:ext cx="1005159" cy="253916"/>
               </a:xfrm>
               <a:prstGeom prst="rect">
                 <a:avLst/>
@@ -2569,7 +2614,10 @@
                       <m:sSub>
                         <m:sSubPr>
                           <m:ctrlPr>
-                            <a:rPr lang="en-US" altLang="ja-JP" sz="1200" b="0" i="1" smtClean="0">
+                            <a:rPr lang="en-US" altLang="ja-JP" sz="1050" b="0" i="1" smtClean="0">
+                              <a:solidFill>
+                                <a:schemeClr val="tx1"/>
+                              </a:solidFill>
                               <a:latin typeface="Cambria Math"/>
                               <a:ea typeface="HG丸ｺﾞｼｯｸM-PRO" panose="020F0600000000000000" pitchFamily="50" charset="-128"/>
                               <a:cs typeface="Courier New" pitchFamily="49" charset="0"/>
@@ -2578,7 +2626,10 @@
                         </m:sSubPr>
                         <m:e>
                           <m:r>
-                            <a:rPr lang="en-US" altLang="ja-JP" sz="1200" b="0" i="1" smtClean="0">
+                            <a:rPr lang="en-US" altLang="ja-JP" sz="1050" b="0" i="1" smtClean="0">
+                              <a:solidFill>
+                                <a:schemeClr val="tx1"/>
+                              </a:solidFill>
                               <a:latin typeface="Cambria Math"/>
                               <a:ea typeface="HG丸ｺﾞｼｯｸM-PRO" panose="020F0600000000000000" pitchFamily="50" charset="-128"/>
                               <a:cs typeface="Courier New" pitchFamily="49" charset="0"/>
@@ -2588,7 +2639,10 @@
                         </m:e>
                         <m:sub>
                           <m:r>
-                            <a:rPr lang="en-US" altLang="ja-JP" sz="1200" b="0" i="1" smtClean="0">
+                            <a:rPr lang="en-US" altLang="ja-JP" sz="1050" b="0" i="1" smtClean="0">
+                              <a:solidFill>
+                                <a:schemeClr val="tx1"/>
+                              </a:solidFill>
                               <a:latin typeface="Cambria Math"/>
                               <a:ea typeface="HG丸ｺﾞｼｯｸM-PRO" panose="020F0600000000000000" pitchFamily="50" charset="-128"/>
                               <a:cs typeface="Courier New" pitchFamily="49" charset="0"/>
@@ -2598,7 +2652,10 @@
                         </m:sub>
                       </m:sSub>
                       <m:r>
-                        <a:rPr lang="en-US" altLang="ja-JP" sz="1200" b="0" i="1" smtClean="0">
+                        <a:rPr lang="en-US" altLang="ja-JP" sz="1050" b="0" i="1" smtClean="0">
+                          <a:solidFill>
+                            <a:schemeClr val="tx1"/>
+                          </a:solidFill>
                           <a:latin typeface="Cambria Math"/>
                           <a:ea typeface="HG丸ｺﾞｼｯｸM-PRO" panose="020F0600000000000000" pitchFamily="50" charset="-128"/>
                           <a:cs typeface="Courier New" pitchFamily="49" charset="0"/>
@@ -2606,7 +2663,10 @@
                         <m:t>=</m:t>
                       </m:r>
                       <m:r>
-                        <a:rPr lang="en-US" altLang="ja-JP" sz="1200" b="0" i="1" smtClean="0">
+                        <a:rPr lang="en-US" altLang="ja-JP" sz="1050" b="0" i="1" smtClean="0">
+                          <a:solidFill>
+                            <a:schemeClr val="tx1"/>
+                          </a:solidFill>
                           <a:latin typeface="Cambria Math"/>
                           <a:ea typeface="HG丸ｺﾞｼｯｸM-PRO" panose="020F0600000000000000" pitchFamily="50" charset="-128"/>
                           <a:cs typeface="Courier New" pitchFamily="49" charset="0"/>
@@ -2614,7 +2674,10 @@
                         <m:t>𝑃</m:t>
                       </m:r>
                       <m:r>
-                        <a:rPr lang="en-US" altLang="ja-JP" sz="1200" b="0" i="1" smtClean="0">
+                        <a:rPr lang="en-US" altLang="ja-JP" sz="1050" b="0" i="1" smtClean="0">
+                          <a:solidFill>
+                            <a:schemeClr val="tx1"/>
+                          </a:solidFill>
                           <a:latin typeface="Cambria Math"/>
                           <a:ea typeface="HG丸ｺﾞｼｯｸM-PRO" panose="020F0600000000000000" pitchFamily="50" charset="-128"/>
                           <a:cs typeface="Courier New" pitchFamily="49" charset="0"/>
@@ -2622,7 +2685,10 @@
                         <m:t>+</m:t>
                       </m:r>
                       <m:r>
-                        <a:rPr lang="en-US" altLang="ja-JP" sz="1200" b="0" i="1" smtClean="0">
+                        <a:rPr lang="en-US" altLang="ja-JP" sz="1050" b="0" i="1" smtClean="0">
+                          <a:solidFill>
+                            <a:schemeClr val="tx1"/>
+                          </a:solidFill>
                           <a:latin typeface="Cambria Math"/>
                           <a:ea typeface="HG丸ｺﾞｼｯｸM-PRO" panose="020F0600000000000000" pitchFamily="50" charset="-128"/>
                           <a:cs typeface="Courier New" pitchFamily="49" charset="0"/>
@@ -2632,7 +2698,10 @@
                     </m:oMath>
                   </m:oMathPara>
                 </a14:m>
-                <a:endParaRPr lang="en-US" altLang="ja-JP" sz="1200">
+                <a:endParaRPr lang="en-US" altLang="ja-JP" sz="1050">
+                  <a:solidFill>
+                    <a:schemeClr val="tx1"/>
+                  </a:solidFill>
                   <a:latin typeface="HG丸ｺﾞｼｯｸM-PRO" panose="020F0600000000000000" pitchFamily="50" charset="-128"/>
                   <a:ea typeface="HG丸ｺﾞｼｯｸM-PRO" panose="020F0600000000000000" pitchFamily="50" charset="-128"/>
                   <a:cs typeface="Courier New" pitchFamily="49" charset="0"/>
@@ -2641,7 +2710,7 @@
             </p:txBody>
           </p:sp>
         </mc:Choice>
-        <mc:Fallback xmlns="">
+        <mc:Fallback>
           <p:sp>
             <p:nvSpPr>
               <p:cNvPr id="36" name="テキスト ボックス 35"/>
@@ -2653,7 +2722,7 @@
             <p:spPr>
               <a:xfrm>
                 <a:off x="413792" y="2004032"/>
-                <a:ext cx="1005159" cy="276999"/>
+                <a:ext cx="1005159" cy="253916"/>
               </a:xfrm>
               <a:prstGeom prst="rect">
                 <a:avLst/>
@@ -2661,7 +2730,7 @@
               <a:blipFill rotWithShape="1">
                 <a:blip r:embed="rId7"/>
                 <a:stretch>
-                  <a:fillRect b="-4444"/>
+                  <a:fillRect b="-4878"/>
                 </a:stretch>
               </a:blipFill>
               <a:ln w="19050" cap="rnd">
@@ -2684,8 +2753,8 @@
           </p:sp>
         </mc:Fallback>
       </mc:AlternateContent>
-      <mc:AlternateContent xmlns:mc="http://schemas.openxmlformats.org/markup-compatibility/2006" xmlns:a14="http://schemas.microsoft.com/office/drawing/2010/main">
-        <mc:Choice Requires="a14">
+      <mc:AlternateContent xmlns:mc="http://schemas.openxmlformats.org/markup-compatibility/2006">
+        <mc:Choice xmlns:a14="http://schemas.microsoft.com/office/drawing/2010/main" Requires="a14">
           <p:sp>
             <p:nvSpPr>
               <p:cNvPr id="37" name="テキスト ボックス 36"/>
@@ -2695,7 +2764,7 @@
             <p:spPr>
               <a:xfrm>
                 <a:off x="2641214" y="1699482"/>
-                <a:ext cx="285613" cy="276999"/>
+                <a:ext cx="285613" cy="253916"/>
               </a:xfrm>
               <a:prstGeom prst="rect">
                 <a:avLst/>
@@ -2720,7 +2789,10 @@
                     </m:oMathParaPr>
                     <m:oMath xmlns:m="http://schemas.openxmlformats.org/officeDocument/2006/math">
                       <m:r>
-                        <a:rPr lang="en-US" altLang="ja-JP" sz="1200" b="0" i="1" smtClean="0">
+                        <a:rPr lang="en-US" altLang="ja-JP" sz="1050" b="0" i="1" smtClean="0">
+                          <a:solidFill>
+                            <a:schemeClr val="tx1"/>
+                          </a:solidFill>
                           <a:latin typeface="Cambria Math"/>
                           <a:ea typeface="HG丸ｺﾞｼｯｸM-PRO" panose="020F0600000000000000" pitchFamily="50" charset="-128"/>
                           <a:cs typeface="Courier New" pitchFamily="49" charset="0"/>
@@ -2730,7 +2802,10 @@
                     </m:oMath>
                   </m:oMathPara>
                 </a14:m>
-                <a:endParaRPr lang="en-US" altLang="ja-JP" sz="1200">
+                <a:endParaRPr lang="en-US" altLang="ja-JP" sz="1050">
+                  <a:solidFill>
+                    <a:schemeClr val="tx1"/>
+                  </a:solidFill>
                   <a:latin typeface="HG丸ｺﾞｼｯｸM-PRO" panose="020F0600000000000000" pitchFamily="50" charset="-128"/>
                   <a:ea typeface="HG丸ｺﾞｼｯｸM-PRO" panose="020F0600000000000000" pitchFamily="50" charset="-128"/>
                   <a:cs typeface="Courier New" pitchFamily="49" charset="0"/>
@@ -2739,7 +2814,7 @@
             </p:txBody>
           </p:sp>
         </mc:Choice>
-        <mc:Fallback xmlns="">
+        <mc:Fallback>
           <p:sp>
             <p:nvSpPr>
               <p:cNvPr id="37" name="テキスト ボックス 36"/>
@@ -2751,7 +2826,7 @@
             <p:spPr>
               <a:xfrm>
                 <a:off x="2641214" y="1699482"/>
-                <a:ext cx="285613" cy="276999"/>
+                <a:ext cx="285613" cy="253916"/>
               </a:xfrm>
               <a:prstGeom prst="rect">
                 <a:avLst/>
@@ -2835,7 +2910,7 @@
           </a:prstGeom>
           <a:ln w="3175">
             <a:solidFill>
-              <a:srgbClr val="FF6600"/>
+              <a:schemeClr val="tx1"/>
             </a:solidFill>
             <a:prstDash val="solid"/>
             <a:tailEnd type="none"/>
@@ -2856,8 +2931,8 @@
           </a:fontRef>
         </p:style>
       </p:cxnSp>
-      <mc:AlternateContent xmlns:mc="http://schemas.openxmlformats.org/markup-compatibility/2006" xmlns:a14="http://schemas.microsoft.com/office/drawing/2010/main">
-        <mc:Choice Requires="a14">
+      <mc:AlternateContent xmlns:mc="http://schemas.openxmlformats.org/markup-compatibility/2006">
+        <mc:Choice xmlns:a14="http://schemas.microsoft.com/office/drawing/2010/main" Requires="a14">
           <p:sp>
             <p:nvSpPr>
               <p:cNvPr id="63" name="テキスト ボックス 62"/>
@@ -2867,7 +2942,7 @@
             <p:spPr>
               <a:xfrm>
                 <a:off x="3216143" y="2220213"/>
-                <a:ext cx="1163114" cy="276999"/>
+                <a:ext cx="1163114" cy="253916"/>
               </a:xfrm>
               <a:prstGeom prst="rect">
                 <a:avLst/>
@@ -2894,7 +2969,10 @@
                       <m:sSub>
                         <m:sSubPr>
                           <m:ctrlPr>
-                            <a:rPr lang="en-US" altLang="ja-JP" sz="1200" b="0" i="1" smtClean="0">
+                            <a:rPr lang="en-US" altLang="ja-JP" sz="1050" b="0" i="1" smtClean="0">
+                              <a:solidFill>
+                                <a:schemeClr val="tx1"/>
+                              </a:solidFill>
                               <a:latin typeface="Cambria Math"/>
                               <a:ea typeface="HG丸ｺﾞｼｯｸM-PRO" panose="020F0600000000000000" pitchFamily="50" charset="-128"/>
                               <a:cs typeface="Courier New" pitchFamily="49" charset="0"/>
@@ -2903,7 +2981,10 @@
                         </m:sSubPr>
                         <m:e>
                           <m:r>
-                            <a:rPr lang="en-US" altLang="ja-JP" sz="1200" b="0" i="1" smtClean="0">
+                            <a:rPr lang="en-US" altLang="ja-JP" sz="1050" b="0" i="1" smtClean="0">
+                              <a:solidFill>
+                                <a:schemeClr val="tx1"/>
+                              </a:solidFill>
                               <a:latin typeface="Cambria Math"/>
                               <a:ea typeface="HG丸ｺﾞｼｯｸM-PRO" panose="020F0600000000000000" pitchFamily="50" charset="-128"/>
                               <a:cs typeface="Courier New" pitchFamily="49" charset="0"/>
@@ -2913,7 +2994,10 @@
                         </m:e>
                         <m:sub>
                           <m:r>
-                            <a:rPr lang="en-US" altLang="ja-JP" sz="1200" b="0" i="1" smtClean="0">
+                            <a:rPr lang="en-US" altLang="ja-JP" sz="1050" b="0" i="1" smtClean="0">
+                              <a:solidFill>
+                                <a:schemeClr val="tx1"/>
+                              </a:solidFill>
                               <a:latin typeface="Cambria Math"/>
                               <a:ea typeface="HG丸ｺﾞｼｯｸM-PRO" panose="020F0600000000000000" pitchFamily="50" charset="-128"/>
                               <a:cs typeface="Courier New" pitchFamily="49" charset="0"/>
@@ -2923,7 +3007,10 @@
                         </m:sub>
                       </m:sSub>
                       <m:r>
-                        <a:rPr lang="en-US" altLang="ja-JP" sz="1200" b="0" i="1" smtClean="0">
+                        <a:rPr lang="en-US" altLang="ja-JP" sz="1050" b="0" i="1" smtClean="0">
+                          <a:solidFill>
+                            <a:schemeClr val="tx1"/>
+                          </a:solidFill>
                           <a:latin typeface="Cambria Math"/>
                           <a:ea typeface="HG丸ｺﾞｼｯｸM-PRO" panose="020F0600000000000000" pitchFamily="50" charset="-128"/>
                           <a:cs typeface="Courier New" pitchFamily="49" charset="0"/>
@@ -2931,7 +3018,10 @@
                         <m:t>=−(</m:t>
                       </m:r>
                       <m:r>
-                        <a:rPr lang="en-US" altLang="ja-JP" sz="1200" b="0" i="1" smtClean="0">
+                        <a:rPr lang="en-US" altLang="ja-JP" sz="1050" b="0" i="1" smtClean="0">
+                          <a:solidFill>
+                            <a:schemeClr val="tx1"/>
+                          </a:solidFill>
                           <a:latin typeface="Cambria Math"/>
                           <a:ea typeface="HG丸ｺﾞｼｯｸM-PRO" panose="020F0600000000000000" pitchFamily="50" charset="-128"/>
                           <a:cs typeface="Courier New" pitchFamily="49" charset="0"/>
@@ -2939,7 +3029,10 @@
                         <m:t>𝑄</m:t>
                       </m:r>
                       <m:r>
-                        <a:rPr lang="en-US" altLang="ja-JP" sz="1200" b="0" i="1" smtClean="0">
+                        <a:rPr lang="en-US" altLang="ja-JP" sz="1050" b="0" i="1" smtClean="0">
+                          <a:solidFill>
+                            <a:schemeClr val="tx1"/>
+                          </a:solidFill>
                           <a:latin typeface="Cambria Math"/>
                           <a:ea typeface="HG丸ｺﾞｼｯｸM-PRO" panose="020F0600000000000000" pitchFamily="50" charset="-128"/>
                           <a:cs typeface="Courier New" pitchFamily="49" charset="0"/>
@@ -2947,7 +3040,10 @@
                         <m:t>+</m:t>
                       </m:r>
                       <m:r>
-                        <a:rPr lang="en-US" altLang="ja-JP" sz="1200" b="0" i="1" smtClean="0">
+                        <a:rPr lang="en-US" altLang="ja-JP" sz="1050" b="0" i="1" smtClean="0">
+                          <a:solidFill>
+                            <a:schemeClr val="tx1"/>
+                          </a:solidFill>
                           <a:latin typeface="Cambria Math"/>
                           <a:ea typeface="HG丸ｺﾞｼｯｸM-PRO" panose="020F0600000000000000" pitchFamily="50" charset="-128"/>
                           <a:cs typeface="Courier New" pitchFamily="49" charset="0"/>
@@ -2955,7 +3051,10 @@
                         <m:t>𝑅</m:t>
                       </m:r>
                       <m:r>
-                        <a:rPr lang="en-US" altLang="ja-JP" sz="1200" b="0" i="1" smtClean="0">
+                        <a:rPr lang="en-US" altLang="ja-JP" sz="1050" b="0" i="1" smtClean="0">
+                          <a:solidFill>
+                            <a:schemeClr val="tx1"/>
+                          </a:solidFill>
                           <a:latin typeface="Cambria Math"/>
                           <a:ea typeface="HG丸ｺﾞｼｯｸM-PRO" panose="020F0600000000000000" pitchFamily="50" charset="-128"/>
                           <a:cs typeface="Courier New" pitchFamily="49" charset="0"/>
@@ -2965,7 +3064,10 @@
                     </m:oMath>
                   </m:oMathPara>
                 </a14:m>
-                <a:endParaRPr lang="en-US" altLang="ja-JP" sz="1200">
+                <a:endParaRPr lang="en-US" altLang="ja-JP" sz="1050">
+                  <a:solidFill>
+                    <a:schemeClr val="tx1"/>
+                  </a:solidFill>
                   <a:latin typeface="HG丸ｺﾞｼｯｸM-PRO" panose="020F0600000000000000" pitchFamily="50" charset="-128"/>
                   <a:ea typeface="HG丸ｺﾞｼｯｸM-PRO" panose="020F0600000000000000" pitchFamily="50" charset="-128"/>
                   <a:cs typeface="Courier New" pitchFamily="49" charset="0"/>
@@ -2974,7 +3076,7 @@
             </p:txBody>
           </p:sp>
         </mc:Choice>
-        <mc:Fallback xmlns="">
+        <mc:Fallback>
           <p:sp>
             <p:nvSpPr>
               <p:cNvPr id="63" name="テキスト ボックス 62"/>
@@ -2986,7 +3088,7 @@
             <p:spPr>
               <a:xfrm>
                 <a:off x="3216143" y="2220213"/>
-                <a:ext cx="1163114" cy="276999"/>
+                <a:ext cx="1163114" cy="253916"/>
               </a:xfrm>
               <a:prstGeom prst="rect">
                 <a:avLst/>
@@ -2994,7 +3096,7 @@
               <a:blipFill rotWithShape="1">
                 <a:blip r:embed="rId9"/>
                 <a:stretch>
-                  <a:fillRect b="-10870"/>
+                  <a:fillRect b="-7143"/>
                 </a:stretch>
               </a:blipFill>
               <a:ln w="19050" cap="rnd">
@@ -3033,7 +3135,7 @@
           </a:prstGeom>
           <a:ln w="3175">
             <a:solidFill>
-              <a:srgbClr val="FF6600"/>
+              <a:schemeClr val="tx1"/>
             </a:solidFill>
             <a:prstDash val="solid"/>
             <a:tailEnd type="none"/>
@@ -3054,8 +3156,8 @@
           </a:fontRef>
         </p:style>
       </p:cxnSp>
-      <mc:AlternateContent xmlns:mc="http://schemas.openxmlformats.org/markup-compatibility/2006" xmlns:a14="http://schemas.microsoft.com/office/drawing/2010/main">
-        <mc:Choice Requires="a14">
+      <mc:AlternateContent xmlns:mc="http://schemas.openxmlformats.org/markup-compatibility/2006">
+        <mc:Choice xmlns:a14="http://schemas.microsoft.com/office/drawing/2010/main" Requires="a14">
           <p:sp>
             <p:nvSpPr>
               <p:cNvPr id="68" name="テキスト ボックス 67"/>
@@ -3065,7 +3167,7 @@
             <p:spPr>
               <a:xfrm>
                 <a:off x="2213992" y="2734439"/>
-                <a:ext cx="970365" cy="276999"/>
+                <a:ext cx="970365" cy="253916"/>
               </a:xfrm>
               <a:prstGeom prst="rect">
                 <a:avLst/>
@@ -3092,7 +3194,10 @@
                       <m:sSub>
                         <m:sSubPr>
                           <m:ctrlPr>
-                            <a:rPr lang="en-US" altLang="ja-JP" sz="1200" b="0" i="1" smtClean="0">
+                            <a:rPr lang="en-US" altLang="ja-JP" sz="1050" b="0" i="1" smtClean="0">
+                              <a:solidFill>
+                                <a:schemeClr val="tx1"/>
+                              </a:solidFill>
                               <a:latin typeface="Cambria Math"/>
                               <a:ea typeface="HG丸ｺﾞｼｯｸM-PRO" panose="020F0600000000000000" pitchFamily="50" charset="-128"/>
                               <a:cs typeface="Courier New" pitchFamily="49" charset="0"/>
@@ -3101,7 +3206,10 @@
                         </m:sSubPr>
                         <m:e>
                           <m:r>
-                            <a:rPr lang="en-US" altLang="ja-JP" sz="1200" b="0" i="1" smtClean="0">
+                            <a:rPr lang="en-US" altLang="ja-JP" sz="1050" b="0" i="1" smtClean="0">
+                              <a:solidFill>
+                                <a:schemeClr val="tx1"/>
+                              </a:solidFill>
                               <a:latin typeface="Cambria Math"/>
                               <a:ea typeface="HG丸ｺﾞｼｯｸM-PRO" panose="020F0600000000000000" pitchFamily="50" charset="-128"/>
                               <a:cs typeface="Courier New" pitchFamily="49" charset="0"/>
@@ -3111,7 +3219,10 @@
                         </m:e>
                         <m:sub>
                           <m:r>
-                            <a:rPr lang="en-US" altLang="ja-JP" sz="1200" b="0" i="1" smtClean="0">
+                            <a:rPr lang="en-US" altLang="ja-JP" sz="1050" b="0" i="1" smtClean="0">
+                              <a:solidFill>
+                                <a:schemeClr val="tx1"/>
+                              </a:solidFill>
                               <a:latin typeface="Cambria Math"/>
                               <a:ea typeface="HG丸ｺﾞｼｯｸM-PRO" panose="020F0600000000000000" pitchFamily="50" charset="-128"/>
                               <a:cs typeface="Courier New" pitchFamily="49" charset="0"/>
@@ -3121,7 +3232,10 @@
                         </m:sub>
                       </m:sSub>
                       <m:r>
-                        <a:rPr lang="en-US" altLang="ja-JP" sz="1200" b="0" i="1" smtClean="0">
+                        <a:rPr lang="en-US" altLang="ja-JP" sz="1050" b="0" i="1" smtClean="0">
+                          <a:solidFill>
+                            <a:schemeClr val="tx1"/>
+                          </a:solidFill>
                           <a:latin typeface="Cambria Math"/>
                           <a:ea typeface="HG丸ｺﾞｼｯｸM-PRO" panose="020F0600000000000000" pitchFamily="50" charset="-128"/>
                           <a:cs typeface="Courier New" pitchFamily="49" charset="0"/>
@@ -3129,7 +3243,10 @@
                         <m:t>=</m:t>
                       </m:r>
                       <m:r>
-                        <a:rPr lang="en-US" altLang="ja-JP" sz="1200" b="0" i="1" smtClean="0">
+                        <a:rPr lang="en-US" altLang="ja-JP" sz="1050" b="0" i="1" smtClean="0">
+                          <a:solidFill>
+                            <a:schemeClr val="tx1"/>
+                          </a:solidFill>
                           <a:latin typeface="Cambria Math"/>
                           <a:ea typeface="HG丸ｺﾞｼｯｸM-PRO" panose="020F0600000000000000" pitchFamily="50" charset="-128"/>
                           <a:cs typeface="Courier New" pitchFamily="49" charset="0"/>
@@ -3137,7 +3254,10 @@
                         <m:t>𝑄</m:t>
                       </m:r>
                       <m:r>
-                        <a:rPr lang="en-US" altLang="ja-JP" sz="1200" b="0" i="1" smtClean="0">
+                        <a:rPr lang="en-US" altLang="ja-JP" sz="1050" b="0" i="1" smtClean="0">
+                          <a:solidFill>
+                            <a:schemeClr val="tx1"/>
+                          </a:solidFill>
                           <a:latin typeface="Cambria Math"/>
                           <a:ea typeface="HG丸ｺﾞｼｯｸM-PRO" panose="020F0600000000000000" pitchFamily="50" charset="-128"/>
                           <a:cs typeface="Courier New" pitchFamily="49" charset="0"/>
@@ -3145,7 +3265,10 @@
                         <m:t>+</m:t>
                       </m:r>
                       <m:r>
-                        <a:rPr lang="en-US" altLang="ja-JP" sz="1200" b="0" i="1" smtClean="0">
+                        <a:rPr lang="en-US" altLang="ja-JP" sz="1050" b="0" i="1" smtClean="0">
+                          <a:solidFill>
+                            <a:schemeClr val="tx1"/>
+                          </a:solidFill>
                           <a:latin typeface="Cambria Math"/>
                           <a:ea typeface="HG丸ｺﾞｼｯｸM-PRO" panose="020F0600000000000000" pitchFamily="50" charset="-128"/>
                           <a:cs typeface="Courier New" pitchFamily="49" charset="0"/>
@@ -3155,7 +3278,10 @@
                     </m:oMath>
                   </m:oMathPara>
                 </a14:m>
-                <a:endParaRPr lang="en-US" altLang="ja-JP" sz="1200">
+                <a:endParaRPr lang="en-US" altLang="ja-JP" sz="1050">
+                  <a:solidFill>
+                    <a:schemeClr val="tx1"/>
+                  </a:solidFill>
                   <a:latin typeface="HG丸ｺﾞｼｯｸM-PRO" panose="020F0600000000000000" pitchFamily="50" charset="-128"/>
                   <a:ea typeface="HG丸ｺﾞｼｯｸM-PRO" panose="020F0600000000000000" pitchFamily="50" charset="-128"/>
                   <a:cs typeface="Courier New" pitchFamily="49" charset="0"/>
@@ -3164,7 +3290,7 @@
             </p:txBody>
           </p:sp>
         </mc:Choice>
-        <mc:Fallback xmlns="">
+        <mc:Fallback>
           <p:sp>
             <p:nvSpPr>
               <p:cNvPr id="68" name="テキスト ボックス 67"/>
@@ -3176,7 +3302,7 @@
             <p:spPr>
               <a:xfrm>
                 <a:off x="2213992" y="2734439"/>
-                <a:ext cx="970365" cy="276999"/>
+                <a:ext cx="970365" cy="253916"/>
               </a:xfrm>
               <a:prstGeom prst="rect">
                 <a:avLst/>
@@ -3184,7 +3310,7 @@
               <a:blipFill rotWithShape="1">
                 <a:blip r:embed="rId10"/>
                 <a:stretch>
-                  <a:fillRect b="-4444"/>
+                  <a:fillRect b="-4878"/>
                 </a:stretch>
               </a:blipFill>
               <a:ln w="19050" cap="rnd">
@@ -3223,7 +3349,7 @@
           </a:prstGeom>
           <a:ln w="3175">
             <a:solidFill>
-              <a:srgbClr val="FF6600"/>
+              <a:schemeClr val="tx1"/>
             </a:solidFill>
             <a:prstDash val="solid"/>
             <a:tailEnd type="none"/>
@@ -3244,8 +3370,8 @@
           </a:fontRef>
         </p:style>
       </p:cxnSp>
-      <mc:AlternateContent xmlns:mc="http://schemas.openxmlformats.org/markup-compatibility/2006" xmlns:a14="http://schemas.microsoft.com/office/drawing/2010/main">
-        <mc:Choice Requires="a14">
+      <mc:AlternateContent xmlns:mc="http://schemas.openxmlformats.org/markup-compatibility/2006">
+        <mc:Choice xmlns:a14="http://schemas.microsoft.com/office/drawing/2010/main" Requires="a14">
           <p:sp>
             <p:nvSpPr>
               <p:cNvPr id="85" name="テキスト ボックス 84"/>
@@ -3255,7 +3381,7 @@
             <p:spPr>
               <a:xfrm>
                 <a:off x="657656" y="1452210"/>
-                <a:ext cx="285613" cy="276999"/>
+                <a:ext cx="285613" cy="253916"/>
               </a:xfrm>
               <a:prstGeom prst="rect">
                 <a:avLst/>
@@ -3282,7 +3408,10 @@
                       <m:sSub>
                         <m:sSubPr>
                           <m:ctrlPr>
-                            <a:rPr lang="en-US" altLang="ja-JP" sz="1200" b="0" i="1" smtClean="0">
+                            <a:rPr lang="en-US" altLang="ja-JP" sz="1050" b="0" i="1" smtClean="0">
+                              <a:solidFill>
+                                <a:schemeClr val="tx1"/>
+                              </a:solidFill>
                               <a:latin typeface="Cambria Math"/>
                               <a:ea typeface="HG丸ｺﾞｼｯｸM-PRO" panose="020F0600000000000000" pitchFamily="50" charset="-128"/>
                               <a:cs typeface="Courier New" pitchFamily="49" charset="0"/>
@@ -3291,7 +3420,10 @@
                         </m:sSubPr>
                         <m:e>
                           <m:r>
-                            <a:rPr lang="en-US" altLang="ja-JP" sz="1200" b="0" i="1" smtClean="0">
+                            <a:rPr lang="en-US" altLang="ja-JP" sz="1050" b="0" i="1" smtClean="0">
+                              <a:solidFill>
+                                <a:schemeClr val="tx1"/>
+                              </a:solidFill>
                               <a:latin typeface="Cambria Math"/>
                               <a:ea typeface="HG丸ｺﾞｼｯｸM-PRO" panose="020F0600000000000000" pitchFamily="50" charset="-128"/>
                               <a:cs typeface="Courier New" pitchFamily="49" charset="0"/>
@@ -3301,7 +3433,10 @@
                         </m:e>
                         <m:sub>
                           <m:r>
-                            <a:rPr lang="en-US" altLang="ja-JP" sz="1200" b="0" i="1" smtClean="0">
+                            <a:rPr lang="en-US" altLang="ja-JP" sz="1050" b="0" i="1" smtClean="0">
+                              <a:solidFill>
+                                <a:schemeClr val="tx1"/>
+                              </a:solidFill>
                               <a:latin typeface="Cambria Math"/>
                               <a:ea typeface="HG丸ｺﾞｼｯｸM-PRO" panose="020F0600000000000000" pitchFamily="50" charset="-128"/>
                               <a:cs typeface="Courier New" pitchFamily="49" charset="0"/>
@@ -3313,7 +3448,10 @@
                     </m:oMath>
                   </m:oMathPara>
                 </a14:m>
-                <a:endParaRPr lang="en-US" altLang="ja-JP" sz="1200">
+                <a:endParaRPr lang="en-US" altLang="ja-JP" sz="1050">
+                  <a:solidFill>
+                    <a:schemeClr val="tx1"/>
+                  </a:solidFill>
                   <a:latin typeface="HG丸ｺﾞｼｯｸM-PRO" panose="020F0600000000000000" pitchFamily="50" charset="-128"/>
                   <a:ea typeface="HG丸ｺﾞｼｯｸM-PRO" panose="020F0600000000000000" pitchFamily="50" charset="-128"/>
                   <a:cs typeface="Courier New" pitchFamily="49" charset="0"/>
@@ -3322,7 +3460,7 @@
             </p:txBody>
           </p:sp>
         </mc:Choice>
-        <mc:Fallback xmlns="">
+        <mc:Fallback>
           <p:sp>
             <p:nvSpPr>
               <p:cNvPr id="85" name="テキスト ボックス 84"/>
@@ -3334,7 +3472,7 @@
             <p:spPr>
               <a:xfrm>
                 <a:off x="657656" y="1452210"/>
-                <a:ext cx="285613" cy="276999"/>
+                <a:ext cx="285613" cy="253916"/>
               </a:xfrm>
               <a:prstGeom prst="rect">
                 <a:avLst/>
@@ -3365,8 +3503,8 @@
           </p:sp>
         </mc:Fallback>
       </mc:AlternateContent>
-      <mc:AlternateContent xmlns:mc="http://schemas.openxmlformats.org/markup-compatibility/2006" xmlns:a14="http://schemas.microsoft.com/office/drawing/2010/main">
-        <mc:Choice Requires="a14">
+      <mc:AlternateContent xmlns:mc="http://schemas.openxmlformats.org/markup-compatibility/2006">
+        <mc:Choice xmlns:a14="http://schemas.microsoft.com/office/drawing/2010/main" Requires="a14">
           <p:sp>
             <p:nvSpPr>
               <p:cNvPr id="87" name="テキスト ボックス 86"/>
@@ -3404,6 +3542,9 @@
                         <m:sSubPr>
                           <m:ctrlPr>
                             <a:rPr lang="en-US" altLang="ja-JP" sz="1200" b="0" i="1" smtClean="0">
+                              <a:solidFill>
+                                <a:schemeClr val="tx1"/>
+                              </a:solidFill>
                               <a:latin typeface="Cambria Math"/>
                               <a:ea typeface="HG丸ｺﾞｼｯｸM-PRO" panose="020F0600000000000000" pitchFamily="50" charset="-128"/>
                               <a:cs typeface="Courier New" pitchFamily="49" charset="0"/>
@@ -3413,6 +3554,9 @@
                         <m:e>
                           <m:r>
                             <a:rPr lang="en-US" altLang="ja-JP" sz="1200" b="0" i="1" smtClean="0">
+                              <a:solidFill>
+                                <a:schemeClr val="tx1"/>
+                              </a:solidFill>
                               <a:latin typeface="Cambria Math"/>
                               <a:ea typeface="HG丸ｺﾞｼｯｸM-PRO" panose="020F0600000000000000" pitchFamily="50" charset="-128"/>
                               <a:cs typeface="Courier New" pitchFamily="49" charset="0"/>
@@ -3423,6 +3567,9 @@
                         <m:sub>
                           <m:r>
                             <a:rPr lang="en-US" altLang="ja-JP" sz="1200" b="0" i="1" smtClean="0">
+                              <a:solidFill>
+                                <a:schemeClr val="tx1"/>
+                              </a:solidFill>
                               <a:latin typeface="Cambria Math"/>
                               <a:ea typeface="HG丸ｺﾞｼｯｸM-PRO" panose="020F0600000000000000" pitchFamily="50" charset="-128"/>
                               <a:cs typeface="Courier New" pitchFamily="49" charset="0"/>
@@ -3435,6 +3582,9 @@
                   </m:oMathPara>
                 </a14:m>
                 <a:endParaRPr lang="en-US" altLang="ja-JP" sz="1200">
+                  <a:solidFill>
+                    <a:schemeClr val="tx1"/>
+                  </a:solidFill>
                   <a:latin typeface="HG丸ｺﾞｼｯｸM-PRO" panose="020F0600000000000000" pitchFamily="50" charset="-128"/>
                   <a:ea typeface="HG丸ｺﾞｼｯｸM-PRO" panose="020F0600000000000000" pitchFamily="50" charset="-128"/>
                   <a:cs typeface="Courier New" pitchFamily="49" charset="0"/>
@@ -3443,7 +3593,7 @@
             </p:txBody>
           </p:sp>
         </mc:Choice>
-        <mc:Fallback xmlns="">
+        <mc:Fallback>
           <p:sp>
             <p:nvSpPr>
               <p:cNvPr id="87" name="テキスト ボックス 86"/>
@@ -3497,7 +3647,7 @@
             <p:spPr>
               <a:xfrm>
                 <a:off x="2862064" y="2014359"/>
-                <a:ext cx="285613" cy="276999"/>
+                <a:ext cx="285613" cy="253916"/>
               </a:xfrm>
               <a:prstGeom prst="rect">
                 <a:avLst/>
@@ -3524,7 +3674,10 @@
                       <m:sSub>
                         <m:sSubPr>
                           <m:ctrlPr>
-                            <a:rPr lang="en-US" altLang="ja-JP" sz="1200" b="0" i="1" smtClean="0">
+                            <a:rPr lang="en-US" altLang="ja-JP" sz="1050" b="0" i="1" smtClean="0">
+                              <a:solidFill>
+                                <a:schemeClr val="tx1"/>
+                              </a:solidFill>
                               <a:latin typeface="Cambria Math"/>
                               <a:ea typeface="HG丸ｺﾞｼｯｸM-PRO" panose="020F0600000000000000" pitchFamily="50" charset="-128"/>
                               <a:cs typeface="Courier New" pitchFamily="49" charset="0"/>
@@ -3533,7 +3686,10 @@
                         </m:sSubPr>
                         <m:e>
                           <m:r>
-                            <a:rPr lang="en-US" altLang="ja-JP" sz="1200" b="0" i="1" smtClean="0">
+                            <a:rPr lang="en-US" altLang="ja-JP" sz="1050" b="0" i="1" smtClean="0">
+                              <a:solidFill>
+                                <a:schemeClr val="tx1"/>
+                              </a:solidFill>
                               <a:latin typeface="Cambria Math"/>
                               <a:ea typeface="HG丸ｺﾞｼｯｸM-PRO" panose="020F0600000000000000" pitchFamily="50" charset="-128"/>
                               <a:cs typeface="Courier New" pitchFamily="49" charset="0"/>
@@ -3543,7 +3699,10 @@
                         </m:e>
                         <m:sub>
                           <m:r>
-                            <a:rPr lang="en-US" altLang="ja-JP" sz="1200" b="0" i="1" smtClean="0">
+                            <a:rPr lang="en-US" altLang="ja-JP" sz="1050" b="0" i="1" smtClean="0">
+                              <a:solidFill>
+                                <a:schemeClr val="tx1"/>
+                              </a:solidFill>
                               <a:latin typeface="Cambria Math"/>
                               <a:ea typeface="HG丸ｺﾞｼｯｸM-PRO" panose="020F0600000000000000" pitchFamily="50" charset="-128"/>
                               <a:cs typeface="Courier New" pitchFamily="49" charset="0"/>
@@ -3555,7 +3714,10 @@
                     </m:oMath>
                   </m:oMathPara>
                 </a14:m>
-                <a:endParaRPr lang="en-US" altLang="ja-JP" sz="1200">
+                <a:endParaRPr lang="en-US" altLang="ja-JP" sz="1050">
+                  <a:solidFill>
+                    <a:schemeClr val="tx1"/>
+                  </a:solidFill>
                   <a:latin typeface="HG丸ｺﾞｼｯｸM-PRO" panose="020F0600000000000000" pitchFamily="50" charset="-128"/>
                   <a:ea typeface="HG丸ｺﾞｼｯｸM-PRO" panose="020F0600000000000000" pitchFamily="50" charset="-128"/>
                   <a:cs typeface="Courier New" pitchFamily="49" charset="0"/>
@@ -3576,7 +3738,7 @@
             <p:spPr>
               <a:xfrm>
                 <a:off x="2862064" y="2014359"/>
-                <a:ext cx="285613" cy="276999"/>
+                <a:ext cx="285613" cy="253916"/>
               </a:xfrm>
               <a:prstGeom prst="rect">
                 <a:avLst/>
@@ -3649,12 +3811,16 @@
           <a:lstStyle/>
           <a:p>
             <a:pPr algn="ctr"/>
-            <a:endParaRPr kumimoji="1" lang="ja-JP" altLang="en-US"/>
+            <a:endParaRPr kumimoji="1" lang="ja-JP" altLang="en-US" sz="1050">
+              <a:solidFill>
+                <a:schemeClr val="tx1"/>
+              </a:solidFill>
+            </a:endParaRPr>
           </a:p>
         </p:txBody>
       </p:sp>
-      <mc:AlternateContent xmlns:mc="http://schemas.openxmlformats.org/markup-compatibility/2006" xmlns:a14="http://schemas.microsoft.com/office/drawing/2010/main">
-        <mc:Choice Requires="a14">
+      <mc:AlternateContent xmlns:mc="http://schemas.openxmlformats.org/markup-compatibility/2006">
+        <mc:Choice xmlns:a14="http://schemas.microsoft.com/office/drawing/2010/main" Requires="a14">
           <p:sp>
             <p:nvSpPr>
               <p:cNvPr id="90" name="テキスト ボックス 89"/>
@@ -3664,7 +3830,7 @@
             <p:spPr>
               <a:xfrm>
                 <a:off x="1133338" y="798056"/>
-                <a:ext cx="285613" cy="276999"/>
+                <a:ext cx="285613" cy="253916"/>
               </a:xfrm>
               <a:prstGeom prst="rect">
                 <a:avLst/>
@@ -3691,7 +3857,10 @@
                       <m:sSub>
                         <m:sSubPr>
                           <m:ctrlPr>
-                            <a:rPr lang="en-US" altLang="ja-JP" sz="1200" b="0" i="1" smtClean="0">
+                            <a:rPr lang="en-US" altLang="ja-JP" sz="1050" b="0" i="1" smtClean="0">
+                              <a:solidFill>
+                                <a:schemeClr val="tx1"/>
+                              </a:solidFill>
                               <a:latin typeface="Cambria Math"/>
                               <a:ea typeface="HG丸ｺﾞｼｯｸM-PRO" panose="020F0600000000000000" pitchFamily="50" charset="-128"/>
                               <a:cs typeface="Courier New" pitchFamily="49" charset="0"/>
@@ -3700,7 +3869,10 @@
                         </m:sSubPr>
                         <m:e>
                           <m:r>
-                            <a:rPr lang="en-US" altLang="ja-JP" sz="1200" b="0" i="1" smtClean="0">
+                            <a:rPr lang="en-US" altLang="ja-JP" sz="1050" b="0" i="1" smtClean="0">
+                              <a:solidFill>
+                                <a:schemeClr val="tx1"/>
+                              </a:solidFill>
                               <a:latin typeface="Cambria Math"/>
                               <a:ea typeface="HG丸ｺﾞｼｯｸM-PRO" panose="020F0600000000000000" pitchFamily="50" charset="-128"/>
                               <a:cs typeface="Courier New" pitchFamily="49" charset="0"/>
@@ -3710,7 +3882,10 @@
                         </m:e>
                         <m:sub>
                           <m:r>
-                            <a:rPr lang="en-US" altLang="ja-JP" sz="1200" b="0" i="1" smtClean="0">
+                            <a:rPr lang="en-US" altLang="ja-JP" sz="1050" b="0" i="1" smtClean="0">
+                              <a:solidFill>
+                                <a:schemeClr val="tx1"/>
+                              </a:solidFill>
                               <a:latin typeface="Cambria Math"/>
                               <a:ea typeface="HG丸ｺﾞｼｯｸM-PRO" panose="020F0600000000000000" pitchFamily="50" charset="-128"/>
                               <a:cs typeface="Courier New" pitchFamily="49" charset="0"/>
@@ -3722,7 +3897,10 @@
                     </m:oMath>
                   </m:oMathPara>
                 </a14:m>
-                <a:endParaRPr lang="en-US" altLang="ja-JP" sz="1200">
+                <a:endParaRPr lang="en-US" altLang="ja-JP" sz="1050">
+                  <a:solidFill>
+                    <a:schemeClr val="tx1"/>
+                  </a:solidFill>
                   <a:latin typeface="HG丸ｺﾞｼｯｸM-PRO" panose="020F0600000000000000" pitchFamily="50" charset="-128"/>
                   <a:ea typeface="HG丸ｺﾞｼｯｸM-PRO" panose="020F0600000000000000" pitchFamily="50" charset="-128"/>
                   <a:cs typeface="Courier New" pitchFamily="49" charset="0"/>
@@ -3731,7 +3909,7 @@
             </p:txBody>
           </p:sp>
         </mc:Choice>
-        <mc:Fallback xmlns="">
+        <mc:Fallback>
           <p:sp>
             <p:nvSpPr>
               <p:cNvPr id="90" name="テキスト ボックス 89"/>
@@ -3743,7 +3921,7 @@
             <p:spPr>
               <a:xfrm>
                 <a:off x="1133338" y="798056"/>
-                <a:ext cx="285613" cy="276999"/>
+                <a:ext cx="285613" cy="253916"/>
               </a:xfrm>
               <a:prstGeom prst="rect">
                 <a:avLst/>
@@ -3774,8 +3952,8 @@
           </p:sp>
         </mc:Fallback>
       </mc:AlternateContent>
-      <mc:AlternateContent xmlns:mc="http://schemas.openxmlformats.org/markup-compatibility/2006" xmlns:a14="http://schemas.microsoft.com/office/drawing/2010/main">
-        <mc:Choice Requires="a14">
+      <mc:AlternateContent xmlns:mc="http://schemas.openxmlformats.org/markup-compatibility/2006">
+        <mc:Choice xmlns:a14="http://schemas.microsoft.com/office/drawing/2010/main" Requires="a14">
           <p:sp>
             <p:nvSpPr>
               <p:cNvPr id="97" name="テキスト ボックス 96"/>
@@ -3785,7 +3963,7 @@
             <p:spPr>
               <a:xfrm>
                 <a:off x="844096" y="914253"/>
-                <a:ext cx="285613" cy="276999"/>
+                <a:ext cx="285613" cy="253916"/>
               </a:xfrm>
               <a:prstGeom prst="rect">
                 <a:avLst/>
@@ -3812,7 +3990,10 @@
                       <m:sSub>
                         <m:sSubPr>
                           <m:ctrlPr>
-                            <a:rPr lang="en-US" altLang="ja-JP" sz="1200" b="0" i="1" smtClean="0">
+                            <a:rPr lang="en-US" altLang="ja-JP" sz="1050" b="0" i="1" smtClean="0">
+                              <a:solidFill>
+                                <a:schemeClr val="tx1"/>
+                              </a:solidFill>
                               <a:latin typeface="Cambria Math"/>
                               <a:ea typeface="HG丸ｺﾞｼｯｸM-PRO" panose="020F0600000000000000" pitchFamily="50" charset="-128"/>
                               <a:cs typeface="Courier New" pitchFamily="49" charset="0"/>
@@ -3821,7 +4002,10 @@
                         </m:sSubPr>
                         <m:e>
                           <m:r>
-                            <a:rPr lang="en-US" altLang="ja-JP" sz="1200" b="0" i="1" smtClean="0">
+                            <a:rPr lang="en-US" altLang="ja-JP" sz="1050" b="0" i="1" smtClean="0">
+                              <a:solidFill>
+                                <a:schemeClr val="tx1"/>
+                              </a:solidFill>
                               <a:latin typeface="Cambria Math"/>
                               <a:ea typeface="HG丸ｺﾞｼｯｸM-PRO" panose="020F0600000000000000" pitchFamily="50" charset="-128"/>
                               <a:cs typeface="Courier New" pitchFamily="49" charset="0"/>
@@ -3831,7 +4015,10 @@
                         </m:e>
                         <m:sub>
                           <m:r>
-                            <a:rPr lang="en-US" altLang="ja-JP" sz="1200" b="0" i="1" smtClean="0">
+                            <a:rPr lang="en-US" altLang="ja-JP" sz="1050" b="0" i="1" smtClean="0">
+                              <a:solidFill>
+                                <a:schemeClr val="tx1"/>
+                              </a:solidFill>
                               <a:latin typeface="Cambria Math"/>
                               <a:ea typeface="HG丸ｺﾞｼｯｸM-PRO" panose="020F0600000000000000" pitchFamily="50" charset="-128"/>
                               <a:cs typeface="Courier New" pitchFamily="49" charset="0"/>
@@ -3843,7 +4030,10 @@
                     </m:oMath>
                   </m:oMathPara>
                 </a14:m>
-                <a:endParaRPr lang="en-US" altLang="ja-JP" sz="1200">
+                <a:endParaRPr lang="en-US" altLang="ja-JP" sz="1050">
+                  <a:solidFill>
+                    <a:schemeClr val="tx1"/>
+                  </a:solidFill>
                   <a:latin typeface="HG丸ｺﾞｼｯｸM-PRO" panose="020F0600000000000000" pitchFamily="50" charset="-128"/>
                   <a:ea typeface="HG丸ｺﾞｼｯｸM-PRO" panose="020F0600000000000000" pitchFamily="50" charset="-128"/>
                   <a:cs typeface="Courier New" pitchFamily="49" charset="0"/>
@@ -3852,7 +4042,7 @@
             </p:txBody>
           </p:sp>
         </mc:Choice>
-        <mc:Fallback xmlns="">
+        <mc:Fallback>
           <p:sp>
             <p:nvSpPr>
               <p:cNvPr id="97" name="テキスト ボックス 96"/>
@@ -3864,7 +4054,7 @@
             <p:spPr>
               <a:xfrm>
                 <a:off x="844096" y="914253"/>
-                <a:ext cx="285613" cy="276999"/>
+                <a:ext cx="285613" cy="253916"/>
               </a:xfrm>
               <a:prstGeom prst="rect">
                 <a:avLst/>
@@ -3906,7 +4096,7 @@
             <p:spPr>
               <a:xfrm>
                 <a:off x="1132624" y="2247188"/>
-                <a:ext cx="1585424" cy="485454"/>
+                <a:ext cx="1585424" cy="436338"/>
               </a:xfrm>
               <a:prstGeom prst="rect">
                 <a:avLst/>
@@ -3933,7 +4123,10 @@
                       <m:sSub>
                         <m:sSubPr>
                           <m:ctrlPr>
-                            <a:rPr lang="en-US" altLang="ja-JP" sz="1200" b="0" i="1" smtClean="0">
+                            <a:rPr lang="en-US" altLang="ja-JP" sz="1050" b="0" i="1" smtClean="0">
+                              <a:solidFill>
+                                <a:schemeClr val="tx1"/>
+                              </a:solidFill>
                               <a:latin typeface="Cambria Math"/>
                               <a:ea typeface="HG丸ｺﾞｼｯｸM-PRO" panose="020F0600000000000000" pitchFamily="50" charset="-128"/>
                               <a:cs typeface="Courier New" pitchFamily="49" charset="0"/>
@@ -3942,7 +4135,10 @@
                         </m:sSubPr>
                         <m:e>
                           <m:r>
-                            <a:rPr lang="en-US" altLang="ja-JP" sz="1200" b="0" i="1" smtClean="0">
+                            <a:rPr lang="en-US" altLang="ja-JP" sz="1050" b="0" i="1" smtClean="0">
+                              <a:solidFill>
+                                <a:schemeClr val="tx1"/>
+                              </a:solidFill>
                               <a:latin typeface="Cambria Math"/>
                               <a:ea typeface="HG丸ｺﾞｼｯｸM-PRO" panose="020F0600000000000000" pitchFamily="50" charset="-128"/>
                               <a:cs typeface="Courier New" pitchFamily="49" charset="0"/>
@@ -3952,7 +4148,10 @@
                         </m:e>
                         <m:sub>
                           <m:r>
-                            <a:rPr lang="en-US" altLang="ja-JP" sz="1200" b="0" i="1" smtClean="0">
+                            <a:rPr lang="en-US" altLang="ja-JP" sz="1050" b="0" i="1" smtClean="0">
+                              <a:solidFill>
+                                <a:schemeClr val="tx1"/>
+                              </a:solidFill>
                               <a:latin typeface="Cambria Math"/>
                               <a:ea typeface="HG丸ｺﾞｼｯｸM-PRO" panose="020F0600000000000000" pitchFamily="50" charset="-128"/>
                               <a:cs typeface="Courier New" pitchFamily="49" charset="0"/>
@@ -3962,7 +4161,10 @@
                         </m:sub>
                       </m:sSub>
                       <m:r>
-                        <a:rPr lang="en-US" altLang="ja-JP" sz="1200" b="0" i="1" smtClean="0">
+                        <a:rPr lang="en-US" altLang="ja-JP" sz="1050" b="0" i="1" smtClean="0">
+                          <a:solidFill>
+                            <a:schemeClr val="tx1"/>
+                          </a:solidFill>
                           <a:latin typeface="Cambria Math"/>
                           <a:ea typeface="HG丸ｺﾞｼｯｸM-PRO" panose="020F0600000000000000" pitchFamily="50" charset="-128"/>
                           <a:cs typeface="Courier New" pitchFamily="49" charset="0"/>
@@ -3972,7 +4174,10 @@
                       <m:d>
                         <m:dPr>
                           <m:ctrlPr>
-                            <a:rPr lang="en-US" altLang="ja-JP" sz="1200" b="0" i="1" smtClean="0">
+                            <a:rPr lang="en-US" altLang="ja-JP" sz="1050" b="0" i="1" smtClean="0">
+                              <a:solidFill>
+                                <a:schemeClr val="tx1"/>
+                              </a:solidFill>
                               <a:latin typeface="Cambria Math"/>
                               <a:ea typeface="HG丸ｺﾞｼｯｸM-PRO" panose="020F0600000000000000" pitchFamily="50" charset="-128"/>
                               <a:cs typeface="Courier New" pitchFamily="49" charset="0"/>
@@ -3983,7 +4188,10 @@
                           <m:d>
                             <m:dPr>
                               <m:ctrlPr>
-                                <a:rPr lang="en-US" altLang="ja-JP" sz="1200" b="0" i="1" smtClean="0">
+                                <a:rPr lang="en-US" altLang="ja-JP" sz="1050" b="0" i="1" smtClean="0">
+                                  <a:solidFill>
+                                    <a:schemeClr val="tx1"/>
+                                  </a:solidFill>
                                   <a:latin typeface="Cambria Math"/>
                                   <a:ea typeface="HG丸ｺﾞｼｯｸM-PRO" panose="020F0600000000000000" pitchFamily="50" charset="-128"/>
                                   <a:cs typeface="Courier New" pitchFamily="49" charset="0"/>
@@ -3992,7 +4200,10 @@
                             </m:dPr>
                             <m:e>
                               <m:r>
-                                <a:rPr lang="en-US" altLang="ja-JP" sz="1200" b="0" i="1" smtClean="0">
+                                <a:rPr lang="en-US" altLang="ja-JP" sz="1050" b="0" i="1" smtClean="0">
+                                  <a:solidFill>
+                                    <a:schemeClr val="tx1"/>
+                                  </a:solidFill>
                                   <a:latin typeface="Cambria Math"/>
                                   <a:ea typeface="HG丸ｺﾞｼｯｸM-PRO" panose="020F0600000000000000" pitchFamily="50" charset="-128"/>
                                   <a:cs typeface="Courier New" pitchFamily="49" charset="0"/>
@@ -4000,7 +4211,10 @@
                                 <m:t>𝑃</m:t>
                               </m:r>
                               <m:r>
-                                <a:rPr lang="en-US" altLang="ja-JP" sz="1200" b="0" i="1" smtClean="0">
+                                <a:rPr lang="en-US" altLang="ja-JP" sz="1050" b="0" i="1" smtClean="0">
+                                  <a:solidFill>
+                                    <a:schemeClr val="tx1"/>
+                                  </a:solidFill>
                                   <a:latin typeface="Cambria Math"/>
                                   <a:ea typeface="HG丸ｺﾞｼｯｸM-PRO" panose="020F0600000000000000" pitchFamily="50" charset="-128"/>
                                   <a:cs typeface="Courier New" pitchFamily="49" charset="0"/>
@@ -4008,7 +4222,10 @@
                                 <m:t>+</m:t>
                               </m:r>
                               <m:r>
-                                <a:rPr lang="en-US" altLang="ja-JP" sz="1200" b="0" i="1" smtClean="0">
+                                <a:rPr lang="en-US" altLang="ja-JP" sz="1050" b="0" i="1" smtClean="0">
+                                  <a:solidFill>
+                                    <a:schemeClr val="tx1"/>
+                                  </a:solidFill>
                                   <a:latin typeface="Cambria Math"/>
                                   <a:ea typeface="HG丸ｺﾞｼｯｸM-PRO" panose="020F0600000000000000" pitchFamily="50" charset="-128"/>
                                   <a:cs typeface="Courier New" pitchFamily="49" charset="0"/>
@@ -4018,7 +4235,10 @@
                             </m:e>
                           </m:d>
                           <m:r>
-                            <a:rPr lang="en-US" altLang="ja-JP" sz="1200" b="0" i="1" smtClean="0">
+                            <a:rPr lang="en-US" altLang="ja-JP" sz="1050" b="0" i="1" smtClean="0">
+                              <a:solidFill>
+                                <a:schemeClr val="tx1"/>
+                              </a:solidFill>
                               <a:latin typeface="Cambria Math"/>
                               <a:ea typeface="HG丸ｺﾞｼｯｸM-PRO" panose="020F0600000000000000" pitchFamily="50" charset="-128"/>
                               <a:cs typeface="Courier New" pitchFamily="49" charset="0"/>
@@ -4026,7 +4246,10 @@
                             <m:t>+</m:t>
                           </m:r>
                           <m:r>
-                            <a:rPr lang="en-US" altLang="ja-JP" sz="1200" b="0" i="1" smtClean="0">
+                            <a:rPr lang="en-US" altLang="ja-JP" sz="1050" b="0" i="1" smtClean="0">
+                              <a:solidFill>
+                                <a:schemeClr val="tx1"/>
+                              </a:solidFill>
                               <a:latin typeface="Cambria Math"/>
                               <a:ea typeface="HG丸ｺﾞｼｯｸM-PRO" panose="020F0600000000000000" pitchFamily="50" charset="-128"/>
                               <a:cs typeface="Courier New" pitchFamily="49" charset="0"/>
@@ -4040,7 +4263,10 @@
                       <m:sSub>
                         <m:sSubPr>
                           <m:ctrlPr>
-                            <a:rPr lang="en-US" altLang="ja-JP" sz="1200" b="0" i="1" smtClean="0">
+                            <a:rPr lang="en-US" altLang="ja-JP" sz="1050" b="0" i="1" smtClean="0">
+                              <a:solidFill>
+                                <a:schemeClr val="tx1"/>
+                              </a:solidFill>
                               <a:latin typeface="Cambria Math"/>
                               <a:ea typeface="HG丸ｺﾞｼｯｸM-PRO" panose="020F0600000000000000" pitchFamily="50" charset="-128"/>
                               <a:cs typeface="Courier New" pitchFamily="49" charset="0"/>
@@ -4049,7 +4275,10 @@
                         </m:sSubPr>
                         <m:e>
                           <m:r>
-                            <a:rPr lang="en-US" altLang="ja-JP" sz="1200" b="0" i="1" smtClean="0">
+                            <a:rPr lang="en-US" altLang="ja-JP" sz="1050" b="0" i="1" smtClean="0">
+                              <a:solidFill>
+                                <a:schemeClr val="tx1"/>
+                              </a:solidFill>
                               <a:latin typeface="Cambria Math"/>
                               <a:ea typeface="HG丸ｺﾞｼｯｸM-PRO" panose="020F0600000000000000" pitchFamily="50" charset="-128"/>
                               <a:cs typeface="Courier New" pitchFamily="49" charset="0"/>
@@ -4059,7 +4288,10 @@
                         </m:e>
                         <m:sub>
                           <m:r>
-                            <a:rPr lang="en-US" altLang="ja-JP" sz="1200" b="0" i="1" smtClean="0">
+                            <a:rPr lang="en-US" altLang="ja-JP" sz="1050" b="0" i="1" smtClean="0">
+                              <a:solidFill>
+                                <a:schemeClr val="tx1"/>
+                              </a:solidFill>
                               <a:latin typeface="Cambria Math"/>
                               <a:ea typeface="HG丸ｺﾞｼｯｸM-PRO" panose="020F0600000000000000" pitchFamily="50" charset="-128"/>
                               <a:cs typeface="Courier New" pitchFamily="49" charset="0"/>
@@ -4069,7 +4301,10 @@
                         </m:sub>
                       </m:sSub>
                       <m:r>
-                        <a:rPr lang="en-US" altLang="ja-JP" sz="1200" b="0" i="1" smtClean="0">
+                        <a:rPr lang="en-US" altLang="ja-JP" sz="1050" b="0" i="1" smtClean="0">
+                          <a:solidFill>
+                            <a:schemeClr val="tx1"/>
+                          </a:solidFill>
                           <a:latin typeface="Cambria Math"/>
                           <a:ea typeface="HG丸ｺﾞｼｯｸM-PRO" panose="020F0600000000000000" pitchFamily="50" charset="-128"/>
                           <a:cs typeface="Courier New" pitchFamily="49" charset="0"/>
@@ -4077,7 +4312,10 @@
                         <m:t>=−(</m:t>
                       </m:r>
                       <m:r>
-                        <a:rPr lang="en-US" altLang="ja-JP" sz="1200" b="0" i="1" smtClean="0">
+                        <a:rPr lang="en-US" altLang="ja-JP" sz="1050" b="0" i="1" smtClean="0">
+                          <a:solidFill>
+                            <a:schemeClr val="tx1"/>
+                          </a:solidFill>
                           <a:latin typeface="Cambria Math"/>
                           <a:ea typeface="HG丸ｺﾞｼｯｸM-PRO" panose="020F0600000000000000" pitchFamily="50" charset="-128"/>
                           <a:cs typeface="Courier New" pitchFamily="49" charset="0"/>
@@ -4085,7 +4323,10 @@
                         <m:t>𝑃</m:t>
                       </m:r>
                       <m:r>
-                        <a:rPr lang="en-US" altLang="ja-JP" sz="1200" b="0" i="1" smtClean="0">
+                        <a:rPr lang="en-US" altLang="ja-JP" sz="1050" b="0" i="1" smtClean="0">
+                          <a:solidFill>
+                            <a:schemeClr val="tx1"/>
+                          </a:solidFill>
                           <a:latin typeface="Cambria Math"/>
                           <a:ea typeface="HG丸ｺﾞｼｯｸM-PRO" panose="020F0600000000000000" pitchFamily="50" charset="-128"/>
                           <a:cs typeface="Courier New" pitchFamily="49" charset="0"/>
@@ -4095,7 +4336,10 @@
                       <m:d>
                         <m:dPr>
                           <m:ctrlPr>
-                            <a:rPr lang="en-US" altLang="ja-JP" sz="1200" b="0" i="1" smtClean="0">
+                            <a:rPr lang="en-US" altLang="ja-JP" sz="1050" b="0" i="1" smtClean="0">
+                              <a:solidFill>
+                                <a:schemeClr val="tx1"/>
+                              </a:solidFill>
                               <a:latin typeface="Cambria Math"/>
                               <a:ea typeface="HG丸ｺﾞｼｯｸM-PRO" panose="020F0600000000000000" pitchFamily="50" charset="-128"/>
                               <a:cs typeface="Courier New" pitchFamily="49" charset="0"/>
@@ -4104,7 +4348,10 @@
                         </m:dPr>
                         <m:e>
                           <m:r>
-                            <a:rPr lang="en-US" altLang="ja-JP" sz="1200" b="0" i="1" smtClean="0">
+                            <a:rPr lang="en-US" altLang="ja-JP" sz="1050" b="0" i="1" smtClean="0">
+                              <a:solidFill>
+                                <a:schemeClr val="tx1"/>
+                              </a:solidFill>
                               <a:latin typeface="Cambria Math"/>
                               <a:ea typeface="HG丸ｺﾞｼｯｸM-PRO" panose="020F0600000000000000" pitchFamily="50" charset="-128"/>
                               <a:cs typeface="Courier New" pitchFamily="49" charset="0"/>
@@ -4112,7 +4359,10 @@
                             <m:t>𝑄</m:t>
                           </m:r>
                           <m:r>
-                            <a:rPr lang="en-US" altLang="ja-JP" sz="1200" b="0" i="1" smtClean="0">
+                            <a:rPr lang="en-US" altLang="ja-JP" sz="1050" b="0" i="1" smtClean="0">
+                              <a:solidFill>
+                                <a:schemeClr val="tx1"/>
+                              </a:solidFill>
                               <a:latin typeface="Cambria Math"/>
                               <a:ea typeface="HG丸ｺﾞｼｯｸM-PRO" panose="020F0600000000000000" pitchFamily="50" charset="-128"/>
                               <a:cs typeface="Courier New" pitchFamily="49" charset="0"/>
@@ -4120,7 +4370,10 @@
                             <m:t>+</m:t>
                           </m:r>
                           <m:r>
-                            <a:rPr lang="en-US" altLang="ja-JP" sz="1200" b="0" i="1" smtClean="0">
+                            <a:rPr lang="en-US" altLang="ja-JP" sz="1050" b="0" i="1" smtClean="0">
+                              <a:solidFill>
+                                <a:schemeClr val="tx1"/>
+                              </a:solidFill>
                               <a:latin typeface="Cambria Math"/>
                               <a:ea typeface="HG丸ｺﾞｼｯｸM-PRO" panose="020F0600000000000000" pitchFamily="50" charset="-128"/>
                               <a:cs typeface="Courier New" pitchFamily="49" charset="0"/>
@@ -4130,7 +4383,10 @@
                         </m:e>
                       </m:d>
                       <m:r>
-                        <a:rPr lang="en-US" altLang="ja-JP" sz="1200" b="0" i="1" smtClean="0">
+                        <a:rPr lang="en-US" altLang="ja-JP" sz="1050" b="0" i="1" smtClean="0">
+                          <a:solidFill>
+                            <a:schemeClr val="tx1"/>
+                          </a:solidFill>
                           <a:latin typeface="Cambria Math"/>
                           <a:ea typeface="HG丸ｺﾞｼｯｸM-PRO" panose="020F0600000000000000" pitchFamily="50" charset="-128"/>
                           <a:cs typeface="Courier New" pitchFamily="49" charset="0"/>
@@ -4140,7 +4396,10 @@
                     </m:oMath>
                   </m:oMathPara>
                 </a14:m>
-                <a:endParaRPr lang="en-US" altLang="ja-JP" sz="1200" b="0" smtClean="0">
+                <a:endParaRPr lang="en-US" altLang="ja-JP" sz="1050" b="0" smtClean="0">
+                  <a:solidFill>
+                    <a:schemeClr val="tx1"/>
+                  </a:solidFill>
                   <a:latin typeface="HG丸ｺﾞｼｯｸM-PRO" panose="020F0600000000000000" pitchFamily="50" charset="-128"/>
                   <a:ea typeface="HG丸ｺﾞｼｯｸM-PRO" panose="020F0600000000000000" pitchFamily="50" charset="-128"/>
                   <a:cs typeface="Courier New" pitchFamily="49" charset="0"/>
@@ -4161,7 +4420,7 @@
             <p:spPr>
               <a:xfrm>
                 <a:off x="1132624" y="2247188"/>
-                <a:ext cx="1585424" cy="485454"/>
+                <a:ext cx="1585424" cy="436338"/>
               </a:xfrm>
               <a:prstGeom prst="rect">
                 <a:avLst/>
@@ -4169,7 +4428,7 @@
               <a:blipFill rotWithShape="1">
                 <a:blip r:embed="rId16"/>
                 <a:stretch>
-                  <a:fillRect b="-7595"/>
+                  <a:fillRect b="-4225"/>
                 </a:stretch>
               </a:blipFill>
               <a:ln w="19050" cap="rnd">
@@ -4228,8 +4487,8 @@
           </a:fontRef>
         </p:style>
       </p:cxnSp>
-      <mc:AlternateContent xmlns:mc="http://schemas.openxmlformats.org/markup-compatibility/2006" xmlns:a14="http://schemas.microsoft.com/office/drawing/2010/main">
-        <mc:Choice Requires="a14">
+      <mc:AlternateContent xmlns:mc="http://schemas.openxmlformats.org/markup-compatibility/2006">
+        <mc:Choice xmlns:a14="http://schemas.microsoft.com/office/drawing/2010/main" Requires="a14">
           <p:sp>
             <p:nvSpPr>
               <p:cNvPr id="101" name="テキスト ボックス 100"/>
@@ -4239,7 +4498,7 @@
             <p:spPr>
               <a:xfrm>
                 <a:off x="1772504" y="896718"/>
-                <a:ext cx="285613" cy="276999"/>
+                <a:ext cx="285613" cy="253916"/>
               </a:xfrm>
               <a:prstGeom prst="rect">
                 <a:avLst/>
@@ -4266,7 +4525,10 @@
                       <m:sSub>
                         <m:sSubPr>
                           <m:ctrlPr>
-                            <a:rPr lang="en-US" altLang="ja-JP" sz="1200" b="0" i="1" smtClean="0">
+                            <a:rPr lang="en-US" altLang="ja-JP" sz="1050" b="0" i="1" smtClean="0">
+                              <a:solidFill>
+                                <a:schemeClr val="tx1"/>
+                              </a:solidFill>
                               <a:latin typeface="Cambria Math"/>
                               <a:ea typeface="HG丸ｺﾞｼｯｸM-PRO" panose="020F0600000000000000" pitchFamily="50" charset="-128"/>
                               <a:cs typeface="Courier New" pitchFamily="49" charset="0"/>
@@ -4275,7 +4537,10 @@
                         </m:sSubPr>
                         <m:e>
                           <m:r>
-                            <a:rPr lang="en-US" altLang="ja-JP" sz="1200" b="0" i="1" smtClean="0">
+                            <a:rPr lang="en-US" altLang="ja-JP" sz="1050" b="0" i="1" smtClean="0">
+                              <a:solidFill>
+                                <a:schemeClr val="tx1"/>
+                              </a:solidFill>
                               <a:latin typeface="Cambria Math"/>
                               <a:ea typeface="HG丸ｺﾞｼｯｸM-PRO" panose="020F0600000000000000" pitchFamily="50" charset="-128"/>
                               <a:cs typeface="Courier New" pitchFamily="49" charset="0"/>
@@ -4285,7 +4550,10 @@
                         </m:e>
                         <m:sub>
                           <m:r>
-                            <a:rPr lang="en-US" altLang="ja-JP" sz="1200" b="0" i="1" smtClean="0">
+                            <a:rPr lang="en-US" altLang="ja-JP" sz="1050" b="0" i="1" smtClean="0">
+                              <a:solidFill>
+                                <a:schemeClr val="tx1"/>
+                              </a:solidFill>
                               <a:latin typeface="Cambria Math"/>
                               <a:ea typeface="HG丸ｺﾞｼｯｸM-PRO" panose="020F0600000000000000" pitchFamily="50" charset="-128"/>
                               <a:cs typeface="Courier New" pitchFamily="49" charset="0"/>
@@ -4297,7 +4565,10 @@
                     </m:oMath>
                   </m:oMathPara>
                 </a14:m>
-                <a:endParaRPr lang="en-US" altLang="ja-JP" sz="1200">
+                <a:endParaRPr lang="en-US" altLang="ja-JP" sz="1050">
+                  <a:solidFill>
+                    <a:schemeClr val="tx1"/>
+                  </a:solidFill>
                   <a:latin typeface="HG丸ｺﾞｼｯｸM-PRO" panose="020F0600000000000000" pitchFamily="50" charset="-128"/>
                   <a:ea typeface="HG丸ｺﾞｼｯｸM-PRO" panose="020F0600000000000000" pitchFamily="50" charset="-128"/>
                   <a:cs typeface="Courier New" pitchFamily="49" charset="0"/>
@@ -4306,7 +4577,7 @@
             </p:txBody>
           </p:sp>
         </mc:Choice>
-        <mc:Fallback xmlns="">
+        <mc:Fallback>
           <p:sp>
             <p:nvSpPr>
               <p:cNvPr id="101" name="テキスト ボックス 100"/>
@@ -4318,7 +4589,7 @@
             <p:spPr>
               <a:xfrm>
                 <a:off x="1772504" y="896718"/>
-                <a:ext cx="285613" cy="276999"/>
+                <a:ext cx="285613" cy="253916"/>
               </a:xfrm>
               <a:prstGeom prst="rect">
                 <a:avLst/>

--- a/img/ec-op.pptx
+++ b/img/ec-op.pptx
@@ -2076,8 +2076,8 @@
           </a:fontRef>
         </p:style>
       </p:cxnSp>
-      <mc:AlternateContent xmlns:mc="http://schemas.openxmlformats.org/markup-compatibility/2006">
-        <mc:Choice xmlns:a14="http://schemas.microsoft.com/office/drawing/2010/main" Requires="a14">
+      <mc:AlternateContent xmlns:mc="http://schemas.openxmlformats.org/markup-compatibility/2006" xmlns:a14="http://schemas.microsoft.com/office/drawing/2010/main">
+        <mc:Choice Requires="a14">
           <p:sp>
             <p:nvSpPr>
               <p:cNvPr id="42" name="テキスト ボックス 41"/>
@@ -2137,7 +2137,7 @@
             </p:txBody>
           </p:sp>
         </mc:Choice>
-        <mc:Fallback>
+        <mc:Fallback xmlns="">
           <p:sp>
             <p:nvSpPr>
               <p:cNvPr id="42" name="テキスト ボックス 41"/>
@@ -2180,8 +2180,8 @@
           </p:sp>
         </mc:Fallback>
       </mc:AlternateContent>
-      <mc:AlternateContent xmlns:mc="http://schemas.openxmlformats.org/markup-compatibility/2006">
-        <mc:Choice xmlns:a14="http://schemas.microsoft.com/office/drawing/2010/main" Requires="a14">
+      <mc:AlternateContent xmlns:mc="http://schemas.openxmlformats.org/markup-compatibility/2006" xmlns:a14="http://schemas.microsoft.com/office/drawing/2010/main">
+        <mc:Choice Requires="a14">
           <p:sp>
             <p:nvSpPr>
               <p:cNvPr id="43" name="テキスト ボックス 42"/>
@@ -2241,7 +2241,7 @@
             </p:txBody>
           </p:sp>
         </mc:Choice>
-        <mc:Fallback>
+        <mc:Fallback xmlns="">
           <p:sp>
             <p:nvSpPr>
               <p:cNvPr id="43" name="テキスト ボックス 42"/>
@@ -2284,8 +2284,8 @@
           </p:sp>
         </mc:Fallback>
       </mc:AlternateContent>
-      <mc:AlternateContent xmlns:mc="http://schemas.openxmlformats.org/markup-compatibility/2006">
-        <mc:Choice xmlns:a14="http://schemas.microsoft.com/office/drawing/2010/main" Requires="a14">
+      <mc:AlternateContent xmlns:mc="http://schemas.openxmlformats.org/markup-compatibility/2006" xmlns:a14="http://schemas.microsoft.com/office/drawing/2010/main">
+        <mc:Choice Requires="a14">
           <p:sp>
             <p:nvSpPr>
               <p:cNvPr id="44" name="テキスト ボックス 43"/>
@@ -2429,7 +2429,7 @@
             </p:txBody>
           </p:sp>
         </mc:Choice>
-        <mc:Fallback>
+        <mc:Fallback xmlns="">
           <p:sp>
             <p:nvSpPr>
               <p:cNvPr id="44" name="テキスト ボックス 43"/>
@@ -2472,8 +2472,8 @@
           </p:sp>
         </mc:Fallback>
       </mc:AlternateContent>
-      <mc:AlternateContent xmlns:mc="http://schemas.openxmlformats.org/markup-compatibility/2006">
-        <mc:Choice xmlns:a14="http://schemas.microsoft.com/office/drawing/2010/main" Requires="a14">
+      <mc:AlternateContent xmlns:mc="http://schemas.openxmlformats.org/markup-compatibility/2006" xmlns:a14="http://schemas.microsoft.com/office/drawing/2010/main">
+        <mc:Choice Requires="a14">
           <p:sp>
             <p:nvSpPr>
               <p:cNvPr id="35" name="テキスト ボックス 34"/>
@@ -2533,7 +2533,7 @@
             </p:txBody>
           </p:sp>
         </mc:Choice>
-        <mc:Fallback>
+        <mc:Fallback xmlns="">
           <p:sp>
             <p:nvSpPr>
               <p:cNvPr id="35" name="テキスト ボックス 34"/>
@@ -2576,8 +2576,8 @@
           </p:sp>
         </mc:Fallback>
       </mc:AlternateContent>
-      <mc:AlternateContent xmlns:mc="http://schemas.openxmlformats.org/markup-compatibility/2006">
-        <mc:Choice xmlns:a14="http://schemas.microsoft.com/office/drawing/2010/main" Requires="a14">
+      <mc:AlternateContent xmlns:mc="http://schemas.openxmlformats.org/markup-compatibility/2006" xmlns:a14="http://schemas.microsoft.com/office/drawing/2010/main">
+        <mc:Choice Requires="a14">
           <p:sp>
             <p:nvSpPr>
               <p:cNvPr id="36" name="テキスト ボックス 35"/>
@@ -2710,7 +2710,7 @@
             </p:txBody>
           </p:sp>
         </mc:Choice>
-        <mc:Fallback>
+        <mc:Fallback xmlns="">
           <p:sp>
             <p:nvSpPr>
               <p:cNvPr id="36" name="テキスト ボックス 35"/>
@@ -2753,8 +2753,8 @@
           </p:sp>
         </mc:Fallback>
       </mc:AlternateContent>
-      <mc:AlternateContent xmlns:mc="http://schemas.openxmlformats.org/markup-compatibility/2006">
-        <mc:Choice xmlns:a14="http://schemas.microsoft.com/office/drawing/2010/main" Requires="a14">
+      <mc:AlternateContent xmlns:mc="http://schemas.openxmlformats.org/markup-compatibility/2006" xmlns:a14="http://schemas.microsoft.com/office/drawing/2010/main">
+        <mc:Choice Requires="a14">
           <p:sp>
             <p:nvSpPr>
               <p:cNvPr id="37" name="テキスト ボックス 36"/>
@@ -2814,7 +2814,7 @@
             </p:txBody>
           </p:sp>
         </mc:Choice>
-        <mc:Fallback>
+        <mc:Fallback xmlns="">
           <p:sp>
             <p:nvSpPr>
               <p:cNvPr id="37" name="テキスト ボックス 36"/>
@@ -2873,7 +2873,7 @@
           </a:prstGeom>
           <a:ln w="3175">
             <a:solidFill>
-              <a:schemeClr val="accent1"/>
+              <a:schemeClr val="tx1"/>
             </a:solidFill>
             <a:prstDash val="solid"/>
             <a:tailEnd type="none"/>
@@ -2931,8 +2931,8 @@
           </a:fontRef>
         </p:style>
       </p:cxnSp>
-      <mc:AlternateContent xmlns:mc="http://schemas.openxmlformats.org/markup-compatibility/2006">
-        <mc:Choice xmlns:a14="http://schemas.microsoft.com/office/drawing/2010/main" Requires="a14">
+      <mc:AlternateContent xmlns:mc="http://schemas.openxmlformats.org/markup-compatibility/2006" xmlns:a14="http://schemas.microsoft.com/office/drawing/2010/main">
+        <mc:Choice Requires="a14">
           <p:sp>
             <p:nvSpPr>
               <p:cNvPr id="63" name="テキスト ボックス 62"/>
@@ -3002,7 +3002,7 @@
                               <a:ea typeface="HG丸ｺﾞｼｯｸM-PRO" panose="020F0600000000000000" pitchFamily="50" charset="-128"/>
                               <a:cs typeface="Courier New" pitchFamily="49" charset="0"/>
                             </a:rPr>
-                            <m:t>3</m:t>
+                            <m:t>4</m:t>
                           </m:r>
                         </m:sub>
                       </m:sSub>
@@ -3076,7 +3076,7 @@
             </p:txBody>
           </p:sp>
         </mc:Choice>
-        <mc:Fallback>
+        <mc:Fallback xmlns="">
           <p:sp>
             <p:nvSpPr>
               <p:cNvPr id="63" name="テキスト ボックス 62"/>
@@ -3156,8 +3156,8 @@
           </a:fontRef>
         </p:style>
       </p:cxnSp>
-      <mc:AlternateContent xmlns:mc="http://schemas.openxmlformats.org/markup-compatibility/2006">
-        <mc:Choice xmlns:a14="http://schemas.microsoft.com/office/drawing/2010/main" Requires="a14">
+      <mc:AlternateContent xmlns:mc="http://schemas.openxmlformats.org/markup-compatibility/2006" xmlns:a14="http://schemas.microsoft.com/office/drawing/2010/main">
+        <mc:Choice Requires="a14">
           <p:sp>
             <p:nvSpPr>
               <p:cNvPr id="68" name="テキスト ボックス 67"/>
@@ -3290,7 +3290,7 @@
             </p:txBody>
           </p:sp>
         </mc:Choice>
-        <mc:Fallback>
+        <mc:Fallback xmlns="">
           <p:sp>
             <p:nvSpPr>
               <p:cNvPr id="68" name="テキスト ボックス 67"/>
@@ -3370,8 +3370,8 @@
           </a:fontRef>
         </p:style>
       </p:cxnSp>
-      <mc:AlternateContent xmlns:mc="http://schemas.openxmlformats.org/markup-compatibility/2006">
-        <mc:Choice xmlns:a14="http://schemas.microsoft.com/office/drawing/2010/main" Requires="a14">
+      <mc:AlternateContent xmlns:mc="http://schemas.openxmlformats.org/markup-compatibility/2006" xmlns:a14="http://schemas.microsoft.com/office/drawing/2010/main">
+        <mc:Choice Requires="a14">
           <p:sp>
             <p:nvSpPr>
               <p:cNvPr id="85" name="テキスト ボックス 84"/>
@@ -3460,7 +3460,7 @@
             </p:txBody>
           </p:sp>
         </mc:Choice>
-        <mc:Fallback>
+        <mc:Fallback xmlns="">
           <p:sp>
             <p:nvSpPr>
               <p:cNvPr id="85" name="テキスト ボックス 84"/>
@@ -3503,8 +3503,8 @@
           </p:sp>
         </mc:Fallback>
       </mc:AlternateContent>
-      <mc:AlternateContent xmlns:mc="http://schemas.openxmlformats.org/markup-compatibility/2006">
-        <mc:Choice xmlns:a14="http://schemas.microsoft.com/office/drawing/2010/main" Requires="a14">
+      <mc:AlternateContent xmlns:mc="http://schemas.openxmlformats.org/markup-compatibility/2006" xmlns:a14="http://schemas.microsoft.com/office/drawing/2010/main">
+        <mc:Choice Requires="a14">
           <p:sp>
             <p:nvSpPr>
               <p:cNvPr id="87" name="テキスト ボックス 86"/>
@@ -3593,7 +3593,7 @@
             </p:txBody>
           </p:sp>
         </mc:Choice>
-        <mc:Fallback>
+        <mc:Fallback xmlns="">
           <p:sp>
             <p:nvSpPr>
               <p:cNvPr id="87" name="テキスト ボックス 86"/>
@@ -3636,8 +3636,8 @@
           </p:sp>
         </mc:Fallback>
       </mc:AlternateContent>
-      <mc:AlternateContent xmlns:mc="http://schemas.openxmlformats.org/markup-compatibility/2006">
-        <mc:Choice xmlns:a14="http://schemas.microsoft.com/office/drawing/2010/main" Requires="a14">
+      <mc:AlternateContent xmlns:mc="http://schemas.openxmlformats.org/markup-compatibility/2006" xmlns:a14="http://schemas.microsoft.com/office/drawing/2010/main">
+        <mc:Choice Requires="a14">
           <p:sp>
             <p:nvSpPr>
               <p:cNvPr id="88" name="テキスト ボックス 87"/>
@@ -3726,7 +3726,7 @@
             </p:txBody>
           </p:sp>
         </mc:Choice>
-        <mc:Fallback>
+        <mc:Fallback xmlns="">
           <p:sp>
             <p:nvSpPr>
               <p:cNvPr id="88" name="テキスト ボックス 87"/>
@@ -3819,8 +3819,8 @@
           </a:p>
         </p:txBody>
       </p:sp>
-      <mc:AlternateContent xmlns:mc="http://schemas.openxmlformats.org/markup-compatibility/2006">
-        <mc:Choice xmlns:a14="http://schemas.microsoft.com/office/drawing/2010/main" Requires="a14">
+      <mc:AlternateContent xmlns:mc="http://schemas.openxmlformats.org/markup-compatibility/2006" xmlns:a14="http://schemas.microsoft.com/office/drawing/2010/main">
+        <mc:Choice Requires="a14">
           <p:sp>
             <p:nvSpPr>
               <p:cNvPr id="90" name="テキスト ボックス 89"/>
@@ -3909,7 +3909,7 @@
             </p:txBody>
           </p:sp>
         </mc:Choice>
-        <mc:Fallback>
+        <mc:Fallback xmlns="">
           <p:sp>
             <p:nvSpPr>
               <p:cNvPr id="90" name="テキスト ボックス 89"/>
@@ -3952,8 +3952,8 @@
           </p:sp>
         </mc:Fallback>
       </mc:AlternateContent>
-      <mc:AlternateContent xmlns:mc="http://schemas.openxmlformats.org/markup-compatibility/2006">
-        <mc:Choice xmlns:a14="http://schemas.microsoft.com/office/drawing/2010/main" Requires="a14">
+      <mc:AlternateContent xmlns:mc="http://schemas.openxmlformats.org/markup-compatibility/2006" xmlns:a14="http://schemas.microsoft.com/office/drawing/2010/main">
+        <mc:Choice Requires="a14">
           <p:sp>
             <p:nvSpPr>
               <p:cNvPr id="97" name="テキスト ボックス 96"/>
@@ -4042,7 +4042,7 @@
             </p:txBody>
           </p:sp>
         </mc:Choice>
-        <mc:Fallback>
+        <mc:Fallback xmlns="">
           <p:sp>
             <p:nvSpPr>
               <p:cNvPr id="97" name="テキスト ボックス 96"/>
@@ -4085,8 +4085,8 @@
           </p:sp>
         </mc:Fallback>
       </mc:AlternateContent>
-      <mc:AlternateContent xmlns:mc="http://schemas.openxmlformats.org/markup-compatibility/2006">
-        <mc:Choice xmlns:a14="http://schemas.microsoft.com/office/drawing/2010/main" Requires="a14">
+      <mc:AlternateContent xmlns:mc="http://schemas.openxmlformats.org/markup-compatibility/2006" xmlns:a14="http://schemas.microsoft.com/office/drawing/2010/main">
+        <mc:Choice Requires="a14">
           <p:sp>
             <p:nvSpPr>
               <p:cNvPr id="62" name="テキスト ボックス 61"/>
@@ -4408,7 +4408,7 @@
             </p:txBody>
           </p:sp>
         </mc:Choice>
-        <mc:Fallback>
+        <mc:Fallback xmlns="">
           <p:sp>
             <p:nvSpPr>
               <p:cNvPr id="62" name="テキスト ボックス 61"/>
@@ -4487,8 +4487,8 @@
           </a:fontRef>
         </p:style>
       </p:cxnSp>
-      <mc:AlternateContent xmlns:mc="http://schemas.openxmlformats.org/markup-compatibility/2006">
-        <mc:Choice xmlns:a14="http://schemas.microsoft.com/office/drawing/2010/main" Requires="a14">
+      <mc:AlternateContent xmlns:mc="http://schemas.openxmlformats.org/markup-compatibility/2006" xmlns:a14="http://schemas.microsoft.com/office/drawing/2010/main">
+        <mc:Choice Requires="a14">
           <p:sp>
             <p:nvSpPr>
               <p:cNvPr id="101" name="テキスト ボックス 100"/>
@@ -4577,7 +4577,7 @@
             </p:txBody>
           </p:sp>
         </mc:Choice>
-        <mc:Fallback>
+        <mc:Fallback xmlns="">
           <p:sp>
             <p:nvSpPr>
               <p:cNvPr id="101" name="テキスト ボックス 100"/>
